--- a/Final Project Presentation.pptx
+++ b/Final Project Presentation.pptx
@@ -4776,11 +4776,7 @@
             <a:pPr algn="ctr"/>
             <a:r>
               <a:rPr lang="en-US" sz="1200" dirty="0" smtClean="0"/>
-              <a:t>Adds layer; enters layer details and clicks “Add</a:t>
-            </a:r>
-            <a:r>
-              <a:rPr lang="en-US" sz="1200" dirty="0" smtClean="0"/>
-              <a:t>”.</a:t>
+              <a:t>Adds layer; enters layer details and clicks “Add”.</a:t>
             </a:r>
             <a:endParaRPr lang="en-US" sz="1200" dirty="0"/>
           </a:p>
@@ -4822,15 +4818,7 @@
             <a:pPr algn="ctr"/>
             <a:r>
               <a:rPr lang="en-US" sz="1200" dirty="0" smtClean="0"/>
-              <a:t>Updates layer; chooses </a:t>
-            </a:r>
-            <a:r>
-              <a:rPr lang="en-US" sz="1200" dirty="0" smtClean="0"/>
-              <a:t>layer</a:t>
-            </a:r>
-            <a:r>
-              <a:rPr lang="en-US" sz="1200" dirty="0" smtClean="0"/>
-              <a:t>, modifies details, and clicks update.</a:t>
+              <a:t>Updates layer; chooses layer, modifies details, and clicks update.</a:t>
             </a:r>
             <a:endParaRPr lang="en-US" sz="1200" dirty="0"/>
           </a:p>
@@ -5732,7 +5720,6 @@
               <a:rPr lang="en-US" sz="1200" dirty="0"/>
               <a:t>2</a:t>
             </a:r>
-            <a:endParaRPr lang="en-US" sz="1200" dirty="0"/>
           </a:p>
         </p:txBody>
       </p:sp>
@@ -5960,7 +5947,6 @@
               <a:rPr lang="en-US" sz="1200" dirty="0"/>
               <a:t>2</a:t>
             </a:r>
-            <a:endParaRPr lang="en-US" sz="1200" dirty="0"/>
           </a:p>
         </p:txBody>
       </p:sp>
@@ -6066,7 +6052,15 @@
             <a:pPr algn="ctr"/>
             <a:r>
               <a:rPr lang="en-US" sz="1200" dirty="0" smtClean="0"/>
-              <a:t>Add or Delete Linked Layer?</a:t>
+              <a:t>Add </a:t>
+            </a:r>
+            <a:r>
+              <a:rPr lang="en-US" sz="1200" dirty="0" smtClean="0"/>
+              <a:t>Linked </a:t>
+            </a:r>
+            <a:r>
+              <a:rPr lang="en-US" sz="1200" dirty="0" smtClean="0"/>
+              <a:t>Layer?</a:t>
             </a:r>
             <a:endParaRPr lang="en-US" sz="1200" dirty="0"/>
           </a:p>
@@ -6298,7 +6292,7 @@
         </p:nvSpPr>
         <p:spPr>
           <a:xfrm>
-            <a:off x="209881" y="3867689"/>
+            <a:off x="460893" y="3867689"/>
             <a:ext cx="1668133" cy="803315"/>
           </a:xfrm>
           <a:prstGeom prst="flowChartProcess">
@@ -6356,7 +6350,7 @@
         </p:nvSpPr>
         <p:spPr>
           <a:xfrm>
-            <a:off x="2030109" y="3866099"/>
+            <a:off x="2281121" y="3866099"/>
             <a:ext cx="1668133" cy="803315"/>
           </a:xfrm>
           <a:prstGeom prst="flowChartProcess">
@@ -6417,8 +6411,8 @@
         </p:nvCxnSpPr>
         <p:spPr>
           <a:xfrm flipH="1">
-            <a:off x="1043948" y="3191614"/>
-            <a:ext cx="602621" cy="676075"/>
+            <a:off x="1294960" y="3191614"/>
+            <a:ext cx="351609" cy="676075"/>
           </a:xfrm>
           <a:prstGeom prst="straightConnector1">
             <a:avLst/>
@@ -6454,7 +6448,7 @@
         <p:spPr>
           <a:xfrm>
             <a:off x="1646569" y="3191614"/>
-            <a:ext cx="1217607" cy="674485"/>
+            <a:ext cx="1468619" cy="674485"/>
           </a:xfrm>
           <a:prstGeom prst="straightConnector1">
             <a:avLst/>
@@ -6546,7 +6540,7 @@
         </p:nvSpPr>
         <p:spPr>
           <a:xfrm>
-            <a:off x="3356681" y="4781572"/>
+            <a:off x="4786249" y="3866099"/>
             <a:ext cx="1668133" cy="803315"/>
           </a:xfrm>
           <a:prstGeom prst="flowChartProcess">
@@ -6575,48 +6569,6 @@
             <a:r>
               <a:rPr lang="en-US" sz="1200" dirty="0" smtClean="0"/>
               <a:t>Add Linked Layer to list. Layer Junction created in db.</a:t>
-            </a:r>
-            <a:endParaRPr lang="en-US" sz="1200" dirty="0"/>
-          </a:p>
-        </p:txBody>
-      </p:sp>
-      <p:sp>
-        <p:nvSpPr>
-          <p:cNvPr id="44" name="Process 43"/>
-          <p:cNvSpPr/>
-          <p:nvPr/>
-        </p:nvSpPr>
-        <p:spPr>
-          <a:xfrm>
-            <a:off x="5159587" y="4776876"/>
-            <a:ext cx="1668133" cy="803315"/>
-          </a:xfrm>
-          <a:prstGeom prst="flowChartProcess">
-            <a:avLst/>
-          </a:prstGeom>
-        </p:spPr>
-        <p:style>
-          <a:lnRef idx="1">
-            <a:schemeClr val="accent1"/>
-          </a:lnRef>
-          <a:fillRef idx="3">
-            <a:schemeClr val="accent1"/>
-          </a:fillRef>
-          <a:effectRef idx="2">
-            <a:schemeClr val="accent1"/>
-          </a:effectRef>
-          <a:fontRef idx="minor">
-            <a:schemeClr val="lt1"/>
-          </a:fontRef>
-        </p:style>
-        <p:txBody>
-          <a:bodyPr rtlCol="0" anchor="ctr"/>
-          <a:lstStyle/>
-          <a:p>
-            <a:pPr algn="ctr"/>
-            <a:r>
-              <a:rPr lang="en-US" sz="1200" dirty="0" smtClean="0"/>
-              <a:t>Click “X” to delete Linked Layer. Deletes Layer Junction from db.</a:t>
             </a:r>
             <a:endParaRPr lang="en-US" sz="1200" dirty="0"/>
           </a:p>
@@ -6632,9 +6584,9 @@
           <p:nvPr/>
         </p:nvCxnSpPr>
         <p:spPr>
-          <a:xfrm flipH="1">
-            <a:off x="4190748" y="3217702"/>
-            <a:ext cx="1429568" cy="1563870"/>
+          <a:xfrm>
+            <a:off x="5620316" y="3217702"/>
+            <a:ext cx="0" cy="648397"/>
           </a:xfrm>
           <a:prstGeom prst="straightConnector1">
             <a:avLst/>
@@ -6658,42 +6610,6 @@
           </a:fontRef>
         </p:style>
       </p:cxnSp>
-      <p:cxnSp>
-        <p:nvCxnSpPr>
-          <p:cNvPr id="53" name="Straight Arrow Connector 52"/>
-          <p:cNvCxnSpPr>
-            <a:stCxn id="12" idx="2"/>
-            <a:endCxn id="44" idx="0"/>
-          </p:cNvCxnSpPr>
-          <p:nvPr/>
-        </p:nvCxnSpPr>
-        <p:spPr>
-          <a:xfrm>
-            <a:off x="5620316" y="3217702"/>
-            <a:ext cx="373338" cy="1559174"/>
-          </a:xfrm>
-          <a:prstGeom prst="straightConnector1">
-            <a:avLst/>
-          </a:prstGeom>
-          <a:ln>
-            <a:tailEnd type="arrow"/>
-          </a:ln>
-        </p:spPr>
-        <p:style>
-          <a:lnRef idx="2">
-            <a:schemeClr val="accent1"/>
-          </a:lnRef>
-          <a:fillRef idx="0">
-            <a:schemeClr val="accent1"/>
-          </a:fillRef>
-          <a:effectRef idx="1">
-            <a:schemeClr val="accent1"/>
-          </a:effectRef>
-          <a:fontRef idx="minor">
-            <a:schemeClr val="tx1"/>
-          </a:fontRef>
-        </p:style>
-      </p:cxnSp>
       <p:sp>
         <p:nvSpPr>
           <p:cNvPr id="56" name="TextBox 55"/>
@@ -6702,7 +6618,7 @@
         </p:nvSpPr>
         <p:spPr>
           <a:xfrm>
-            <a:off x="4366298" y="3867689"/>
+            <a:off x="5124281" y="3401399"/>
             <a:ext cx="992069" cy="276999"/>
           </a:xfrm>
           <a:prstGeom prst="rect">
@@ -6719,36 +6635,6 @@
             <a:r>
               <a:rPr lang="en-US" sz="1200" dirty="0" smtClean="0"/>
               <a:t>Add</a:t>
-            </a:r>
-            <a:endParaRPr lang="en-US" sz="1200" dirty="0"/>
-          </a:p>
-        </p:txBody>
-      </p:sp>
-      <p:sp>
-        <p:nvSpPr>
-          <p:cNvPr id="57" name="TextBox 56"/>
-          <p:cNvSpPr txBox="1"/>
-          <p:nvPr/>
-        </p:nvSpPr>
-        <p:spPr>
-          <a:xfrm>
-            <a:off x="5766969" y="3881589"/>
-            <a:ext cx="992069" cy="276999"/>
-          </a:xfrm>
-          <a:prstGeom prst="rect">
-            <a:avLst/>
-          </a:prstGeom>
-          <a:noFill/>
-        </p:spPr>
-        <p:txBody>
-          <a:bodyPr wrap="square" rtlCol="0">
-            <a:spAutoFit/>
-          </a:bodyPr>
-          <a:lstStyle/>
-          <a:p>
-            <a:r>
-              <a:rPr lang="en-US" sz="1200" dirty="0" smtClean="0"/>
-              <a:t>Delete</a:t>
             </a:r>
             <a:endParaRPr lang="en-US" sz="1200" dirty="0"/>
           </a:p>
@@ -6792,7 +6678,6 @@
               <a:rPr lang="en-US" sz="1200" dirty="0"/>
               <a:t>2</a:t>
             </a:r>
-            <a:endParaRPr lang="en-US" sz="1200" dirty="0"/>
           </a:p>
         </p:txBody>
       </p:sp>
@@ -6807,8 +6692,8 @@
         </p:nvCxnSpPr>
         <p:spPr>
           <a:xfrm>
-            <a:off x="1043948" y="4671004"/>
-            <a:ext cx="2278913" cy="1509253"/>
+            <a:off x="1294960" y="4671004"/>
+            <a:ext cx="2027901" cy="1509253"/>
           </a:xfrm>
           <a:prstGeom prst="straightConnector1">
             <a:avLst/>
@@ -6843,8 +6728,8 @@
         </p:nvCxnSpPr>
         <p:spPr>
           <a:xfrm>
-            <a:off x="2864176" y="4669414"/>
-            <a:ext cx="458685" cy="1510843"/>
+            <a:off x="3115188" y="4669414"/>
+            <a:ext cx="207673" cy="1510843"/>
           </a:xfrm>
           <a:prstGeom prst="straightConnector1">
             <a:avLst/>
@@ -6879,43 +6764,8 @@
         </p:nvCxnSpPr>
         <p:spPr>
           <a:xfrm flipH="1">
-            <a:off x="3772320" y="5584887"/>
-            <a:ext cx="418428" cy="595370"/>
-          </a:xfrm>
-          <a:prstGeom prst="straightConnector1">
-            <a:avLst/>
-          </a:prstGeom>
-          <a:ln>
-            <a:tailEnd type="arrow"/>
-          </a:ln>
-        </p:spPr>
-        <p:style>
-          <a:lnRef idx="2">
-            <a:schemeClr val="accent1"/>
-          </a:lnRef>
-          <a:fillRef idx="0">
-            <a:schemeClr val="accent1"/>
-          </a:fillRef>
-          <a:effectRef idx="1">
-            <a:schemeClr val="accent1"/>
-          </a:effectRef>
-          <a:fontRef idx="minor">
-            <a:schemeClr val="tx1"/>
-          </a:fontRef>
-        </p:style>
-      </p:cxnSp>
-      <p:cxnSp>
-        <p:nvCxnSpPr>
-          <p:cNvPr id="71" name="Straight Arrow Connector 70"/>
-          <p:cNvCxnSpPr>
-            <a:endCxn id="58" idx="3"/>
-          </p:cNvCxnSpPr>
-          <p:nvPr/>
-        </p:nvCxnSpPr>
-        <p:spPr>
-          <a:xfrm flipH="1">
-            <a:off x="3772320" y="5584887"/>
-            <a:ext cx="2352773" cy="595370"/>
+            <a:off x="3772320" y="4669414"/>
+            <a:ext cx="1847996" cy="1510843"/>
           </a:xfrm>
           <a:prstGeom prst="straightConnector1">
             <a:avLst/>

--- a/Final Project Presentation.pptx
+++ b/Final Project Presentation.pptx
@@ -5,15 +5,16 @@
     <p:sldMasterId id="2147483660" r:id="rId1"/>
   </p:sldMasterIdLst>
   <p:notesMasterIdLst>
-    <p:notesMasterId r:id="rId8"/>
+    <p:notesMasterId r:id="rId9"/>
   </p:notesMasterIdLst>
   <p:sldIdLst>
     <p:sldId id="256" r:id="rId2"/>
     <p:sldId id="257" r:id="rId3"/>
-    <p:sldId id="258" r:id="rId4"/>
-    <p:sldId id="259" r:id="rId5"/>
-    <p:sldId id="260" r:id="rId6"/>
-    <p:sldId id="261" r:id="rId7"/>
+    <p:sldId id="262" r:id="rId4"/>
+    <p:sldId id="258" r:id="rId5"/>
+    <p:sldId id="259" r:id="rId6"/>
+    <p:sldId id="260" r:id="rId7"/>
+    <p:sldId id="261" r:id="rId8"/>
   </p:sldIdLst>
   <p:sldSz cx="9144000" cy="6858000" type="screen4x3"/>
   <p:notesSz cx="6858000" cy="9144000"/>
@@ -197,7 +198,7 @@
           <a:p>
             <a:fld id="{F6F5AD14-7DF3-934E-AAEC-48AEA44FC3A8}" type="datetimeFigureOut">
               <a:rPr lang="en-US" smtClean="0"/>
-              <a:t>4/16/16</a:t>
+              <a:t>4/18/16</a:t>
             </a:fld>
             <a:endParaRPr lang="en-US"/>
           </a:p>
@@ -530,7 +531,7 @@
           <a:p>
             <a:fld id="{CB66686C-8E65-654A-83C8-14B8C08C9914}" type="slidenum">
               <a:rPr lang="en-US" smtClean="0"/>
-              <a:t>3</a:t>
+              <a:t>4</a:t>
             </a:fld>
             <a:endParaRPr lang="en-US"/>
           </a:p>
@@ -802,7 +803,7 @@
           <a:p>
             <a:fld id="{7F796B32-4D9A-0B4B-87BF-F3DD66F9DBE3}" type="datetimeFigureOut">
               <a:rPr lang="en-US" smtClean="0"/>
-              <a:t>4/16/16</a:t>
+              <a:t>4/18/16</a:t>
             </a:fld>
             <a:endParaRPr lang="en-US"/>
           </a:p>
@@ -1015,7 +1016,7 @@
           <a:p>
             <a:fld id="{7F796B32-4D9A-0B4B-87BF-F3DD66F9DBE3}" type="datetimeFigureOut">
               <a:rPr lang="en-US" smtClean="0"/>
-              <a:t>4/16/16</a:t>
+              <a:t>4/18/16</a:t>
             </a:fld>
             <a:endParaRPr lang="en-US"/>
           </a:p>
@@ -1282,7 +1283,7 @@
           <a:p>
             <a:fld id="{7F796B32-4D9A-0B4B-87BF-F3DD66F9DBE3}" type="datetimeFigureOut">
               <a:rPr lang="en-US" smtClean="0"/>
-              <a:t>4/16/16</a:t>
+              <a:t>4/18/16</a:t>
             </a:fld>
             <a:endParaRPr lang="en-US"/>
           </a:p>
@@ -1432,7 +1433,7 @@
           <a:p>
             <a:fld id="{7F796B32-4D9A-0B4B-87BF-F3DD66F9DBE3}" type="datetimeFigureOut">
               <a:rPr lang="en-US" smtClean="0"/>
-              <a:t>4/16/16</a:t>
+              <a:t>4/18/16</a:t>
             </a:fld>
             <a:endParaRPr lang="en-US"/>
           </a:p>
@@ -1762,7 +1763,7 @@
           <a:p>
             <a:fld id="{7F796B32-4D9A-0B4B-87BF-F3DD66F9DBE3}" type="datetimeFigureOut">
               <a:rPr lang="en-US" smtClean="0"/>
-              <a:t>4/16/16</a:t>
+              <a:t>4/18/16</a:t>
             </a:fld>
             <a:endParaRPr lang="en-US"/>
           </a:p>
@@ -2070,7 +2071,7 @@
           <a:p>
             <a:fld id="{7F796B32-4D9A-0B4B-87BF-F3DD66F9DBE3}" type="datetimeFigureOut">
               <a:rPr lang="en-US" smtClean="0"/>
-              <a:t>4/16/16</a:t>
+              <a:t>4/18/16</a:t>
             </a:fld>
             <a:endParaRPr lang="en-US"/>
           </a:p>
@@ -2491,7 +2492,7 @@
           <a:p>
             <a:fld id="{7F796B32-4D9A-0B4B-87BF-F3DD66F9DBE3}" type="datetimeFigureOut">
               <a:rPr lang="en-US" smtClean="0"/>
-              <a:t>4/16/16</a:t>
+              <a:t>4/18/16</a:t>
             </a:fld>
             <a:endParaRPr lang="en-US"/>
           </a:p>
@@ -2604,7 +2605,7 @@
           <a:p>
             <a:fld id="{7F796B32-4D9A-0B4B-87BF-F3DD66F9DBE3}" type="datetimeFigureOut">
               <a:rPr lang="en-US" smtClean="0"/>
-              <a:t>4/16/16</a:t>
+              <a:t>4/18/16</a:t>
             </a:fld>
             <a:endParaRPr lang="en-US"/>
           </a:p>
@@ -2763,7 +2764,7 @@
           <a:p>
             <a:fld id="{7F796B32-4D9A-0B4B-87BF-F3DD66F9DBE3}" type="datetimeFigureOut">
               <a:rPr lang="en-US" smtClean="0"/>
-              <a:t>4/16/16</a:t>
+              <a:t>4/18/16</a:t>
             </a:fld>
             <a:endParaRPr lang="en-US"/>
           </a:p>
@@ -3147,7 +3148,7 @@
           <a:p>
             <a:fld id="{7F796B32-4D9A-0B4B-87BF-F3DD66F9DBE3}" type="datetimeFigureOut">
               <a:rPr lang="en-US" smtClean="0"/>
-              <a:t>4/16/16</a:t>
+              <a:t>4/18/16</a:t>
             </a:fld>
             <a:endParaRPr lang="en-US"/>
           </a:p>
@@ -3509,7 +3510,7 @@
           <a:p>
             <a:fld id="{7F796B32-4D9A-0B4B-87BF-F3DD66F9DBE3}" type="datetimeFigureOut">
               <a:rPr lang="en-US" smtClean="0"/>
-              <a:t>4/16/16</a:t>
+              <a:t>4/18/16</a:t>
             </a:fld>
             <a:endParaRPr lang="en-US"/>
           </a:p>
@@ -3843,7 +3844,7 @@
           <a:p>
             <a:fld id="{7F796B32-4D9A-0B4B-87BF-F3DD66F9DBE3}" type="datetimeFigureOut">
               <a:rPr lang="en-US" smtClean="0"/>
-              <a:t>4/16/16</a:t>
+              <a:t>4/18/16</a:t>
             </a:fld>
             <a:endParaRPr lang="en-US"/>
           </a:p>
@@ -4260,18 +4261,21 @@
           </a:bodyPr>
           <a:lstStyle/>
           <a:p>
+            <a:pPr algn="ctr"/>
             <a:r>
               <a:rPr lang="en-US" dirty="0" smtClean="0"/>
               <a:t>Group 14</a:t>
             </a:r>
           </a:p>
           <a:p>
+            <a:pPr algn="ctr"/>
             <a:r>
               <a:rPr lang="en-US" dirty="0" smtClean="0"/>
               <a:t>April 20, 2016</a:t>
             </a:r>
           </a:p>
           <a:p>
+            <a:pPr algn="ctr"/>
             <a:r>
               <a:rPr lang="en-US" sz="1500" dirty="0" smtClean="0"/>
               <a:t>Walker </a:t>
@@ -4283,6 +4287,7 @@
             <a:endParaRPr lang="en-US" sz="1500" dirty="0" smtClean="0"/>
           </a:p>
           <a:p>
+            <a:pPr algn="ctr"/>
             <a:r>
               <a:rPr lang="en-US" sz="1500" dirty="0" smtClean="0"/>
               <a:t>Ilana Wasserman</a:t>
@@ -4301,7 +4306,12 @@
             <p:ph type="title"/>
           </p:nvPr>
         </p:nvSpPr>
-        <p:spPr/>
+        <p:spPr>
+          <a:xfrm>
+            <a:off x="224876" y="2052960"/>
+            <a:ext cx="6324600" cy="1828800"/>
+          </a:xfrm>
+        </p:spPr>
         <p:txBody>
           <a:bodyPr/>
           <a:lstStyle/>
@@ -4356,13 +4366,28 @@
         </p:nvSpPr>
         <p:spPr/>
         <p:txBody>
-          <a:bodyPr/>
+          <a:bodyPr>
+            <a:normAutofit/>
+          </a:bodyPr>
           <a:lstStyle/>
           <a:p>
             <a:r>
               <a:rPr lang="en-US" dirty="0" smtClean="0"/>
-              <a:t>To create a collaborative way for users to share and connect “layers”</a:t>
-            </a:r>
+              <a:t>Imagine that you are a music producer and want to remix a track, but you cannot find the individual components – like the instrumentals or vocals</a:t>
+            </a:r>
+          </a:p>
+          <a:p>
+            <a:pPr marL="45720" indent="0">
+              <a:buNone/>
+            </a:pPr>
+            <a:endParaRPr lang="en-US" dirty="0"/>
+          </a:p>
+          <a:p>
+            <a:r>
+              <a:rPr lang="en-US" dirty="0" smtClean="0"/>
+              <a:t>Layers is an open source, collaborative platform where every track (“layer”) has direct references to each of its subcomponent layers</a:t>
+            </a:r>
+            <a:endParaRPr lang="en-US" dirty="0"/>
           </a:p>
           <a:p>
             <a:pPr marL="45720" indent="0">
@@ -4373,8 +4398,29 @@
           <a:p>
             <a:r>
               <a:rPr lang="en-US" dirty="0" smtClean="0"/>
-              <a:t>Users would create content on the website, and be able to see and download any other posted layer</a:t>
-            </a:r>
+              <a:t>Users </a:t>
+            </a:r>
+            <a:r>
+              <a:rPr lang="en-US" dirty="0" smtClean="0"/>
+              <a:t>can upload layers to </a:t>
+            </a:r>
+            <a:r>
+              <a:rPr lang="en-US" dirty="0" smtClean="0"/>
+              <a:t>the website, and </a:t>
+            </a:r>
+            <a:r>
+              <a:rPr lang="en-US" dirty="0" smtClean="0"/>
+              <a:t>can see </a:t>
+            </a:r>
+            <a:r>
+              <a:rPr lang="en-US" dirty="0" smtClean="0"/>
+              <a:t>and download any other </a:t>
+            </a:r>
+            <a:r>
+              <a:rPr lang="en-US" dirty="0" smtClean="0"/>
+              <a:t>layer</a:t>
+            </a:r>
+            <a:endParaRPr lang="en-US" dirty="0" smtClean="0"/>
           </a:p>
           <a:p>
             <a:pPr lvl="1"/>
@@ -4387,28 +4433,13 @@
             <a:pPr lvl="2"/>
             <a:r>
               <a:rPr lang="en-US" dirty="0" smtClean="0"/>
-              <a:t>When repost, can link it to the layers from which it came to create a “family history” of the layer</a:t>
-            </a:r>
-          </a:p>
-          <a:p>
-            <a:pPr marL="640080" lvl="2" indent="0">
-              <a:buNone/>
-            </a:pPr>
+              <a:t>When repost, can link it to the layers from which it came to create a “family history” of the </a:t>
+            </a:r>
+            <a:r>
+              <a:rPr lang="en-US" dirty="0" smtClean="0"/>
+              <a:t>layer</a:t>
+            </a:r>
             <a:endParaRPr lang="en-US" dirty="0" smtClean="0"/>
-          </a:p>
-          <a:p>
-            <a:r>
-              <a:rPr lang="en-US" dirty="0" smtClean="0"/>
-              <a:t>Use </a:t>
-            </a:r>
-            <a:r>
-              <a:rPr lang="en-US" dirty="0" err="1" smtClean="0"/>
-              <a:t>Hashtags</a:t>
-            </a:r>
-            <a:r>
-              <a:rPr lang="en-US" dirty="0" smtClean="0"/>
-              <a:t> to provide descriptions of the layers</a:t>
-            </a:r>
           </a:p>
         </p:txBody>
       </p:sp>
@@ -4467,12 +4498,92 @@
       </p:grpSpPr>
       <p:sp>
         <p:nvSpPr>
+          <p:cNvPr id="2" name="Content Placeholder 1"/>
+          <p:cNvSpPr>
+            <a:spLocks noGrp="1"/>
+          </p:cNvSpPr>
+          <p:nvPr>
+            <p:ph idx="1"/>
+          </p:nvPr>
+        </p:nvSpPr>
+        <p:spPr/>
+        <p:txBody>
+          <a:bodyPr/>
+          <a:lstStyle/>
+          <a:p>
+            <a:r>
+              <a:rPr lang="en-US" dirty="0" smtClean="0"/>
+              <a:t>(“N-M”)EAN stack</a:t>
+            </a:r>
+          </a:p>
+          <a:p>
+            <a:pPr lvl="1"/>
+            <a:r>
+              <a:rPr lang="en-US" dirty="0" smtClean="0"/>
+              <a:t>Node-MySQL</a:t>
+            </a:r>
+          </a:p>
+          <a:p>
+            <a:pPr lvl="1"/>
+            <a:r>
+              <a:rPr lang="en-US" dirty="0" smtClean="0"/>
+              <a:t>Express</a:t>
+            </a:r>
+          </a:p>
+          <a:p>
+            <a:pPr lvl="1"/>
+            <a:r>
+              <a:rPr lang="en-US" dirty="0" err="1" smtClean="0"/>
+              <a:t>Angular.js</a:t>
+            </a:r>
+            <a:endParaRPr lang="en-US" dirty="0" smtClean="0"/>
+          </a:p>
+          <a:p>
+            <a:pPr lvl="1"/>
+            <a:r>
+              <a:rPr lang="en-US" dirty="0" err="1" smtClean="0"/>
+              <a:t>Node.js</a:t>
+            </a:r>
+            <a:endParaRPr lang="en-US" dirty="0"/>
+          </a:p>
+          <a:p>
+            <a:pPr marL="365760" lvl="1" indent="0">
+              <a:buNone/>
+            </a:pPr>
+            <a:endParaRPr lang="en-US" dirty="0" smtClean="0"/>
+          </a:p>
+          <a:p>
+            <a:r>
+              <a:rPr lang="en-US" dirty="0" smtClean="0"/>
+              <a:t>Given the structure of our data, and the relationships between layers, users, </a:t>
+            </a:r>
+            <a:r>
+              <a:rPr lang="en-US" dirty="0" err="1" smtClean="0"/>
+              <a:t>hashtags</a:t>
+            </a:r>
+            <a:r>
+              <a:rPr lang="en-US" dirty="0" smtClean="0"/>
+              <a:t>, and links, it made sense to use a relational database where relationships are easily formed as opposed to a </a:t>
+            </a:r>
+            <a:r>
+              <a:rPr lang="en-US" dirty="0" err="1" smtClean="0"/>
+              <a:t>NoSQL</a:t>
+            </a:r>
+            <a:r>
+              <a:rPr lang="en-US" dirty="0" smtClean="0"/>
+              <a:t> model</a:t>
+            </a:r>
+          </a:p>
+        </p:txBody>
+      </p:sp>
+      <p:sp>
+        <p:nvSpPr>
           <p:cNvPr id="3" name="Title 2"/>
           <p:cNvSpPr>
             <a:spLocks noGrp="1"/>
           </p:cNvSpPr>
           <p:nvPr>
-            <p:ph type="title" orient="vert"/>
+            <p:ph type="title"/>
           </p:nvPr>
         </p:nvSpPr>
         <p:spPr/>
@@ -4482,46 +4593,16 @@
           <a:p>
             <a:r>
               <a:rPr lang="en-US" dirty="0" smtClean="0"/>
-              <a:t>EER Diagram</a:t>
+              <a:t>Technical specifications</a:t>
             </a:r>
             <a:endParaRPr lang="en-US" dirty="0"/>
           </a:p>
         </p:txBody>
       </p:sp>
-      <p:pic>
-        <p:nvPicPr>
-          <p:cNvPr id="8" name="Picture 7" descr="EER Diagram.png"/>
-          <p:cNvPicPr>
-            <a:picLocks noChangeAspect="1"/>
-          </p:cNvPicPr>
-          <p:nvPr/>
-        </p:nvPicPr>
-        <p:blipFill>
-          <a:blip r:embed="rId3">
-            <a:extLst>
-              <a:ext uri="{28A0092B-C50C-407E-A947-70E740481C1C}">
-                <a14:useLocalDpi xmlns:a14="http://schemas.microsoft.com/office/drawing/2010/main" val="0"/>
-              </a:ext>
-            </a:extLst>
-          </a:blip>
-          <a:stretch>
-            <a:fillRect/>
-          </a:stretch>
-        </p:blipFill>
-        <p:spPr>
-          <a:xfrm>
-            <a:off x="347230" y="139406"/>
-            <a:ext cx="6337300" cy="6604000"/>
-          </a:xfrm>
-          <a:prstGeom prst="rect">
-            <a:avLst/>
-          </a:prstGeom>
-        </p:spPr>
-      </p:pic>
     </p:spTree>
     <p:extLst>
       <p:ext uri="{BB962C8B-B14F-4D97-AF65-F5344CB8AC3E}">
-        <p14:creationId xmlns:p14="http://schemas.microsoft.com/office/powerpoint/2010/main" val="1656889802"/>
+        <p14:creationId xmlns:p14="http://schemas.microsoft.com/office/powerpoint/2010/main" val="3853939172"/>
       </p:ext>
     </p:extLst>
   </p:cSld>
@@ -4550,7 +4631,7 @@
       </p:grpSpPr>
       <p:sp>
         <p:nvSpPr>
-          <p:cNvPr id="4" name="Vertical Title 3"/>
+          <p:cNvPr id="3" name="Title 2"/>
           <p:cNvSpPr>
             <a:spLocks noGrp="1"/>
           </p:cNvSpPr>
@@ -4565,1204 +4646,46 @@
           <a:p>
             <a:r>
               <a:rPr lang="en-US" dirty="0" smtClean="0"/>
-              <a:t>User interactions</a:t>
+              <a:t>EER Diagram</a:t>
             </a:r>
             <a:endParaRPr lang="en-US" dirty="0"/>
           </a:p>
         </p:txBody>
       </p:sp>
-      <p:sp>
-        <p:nvSpPr>
-          <p:cNvPr id="6" name="Connector 5"/>
-          <p:cNvSpPr/>
+      <p:pic>
+        <p:nvPicPr>
+          <p:cNvPr id="8" name="Picture 7" descr="EER Diagram.png"/>
+          <p:cNvPicPr>
+            <a:picLocks noChangeAspect="1"/>
+          </p:cNvPicPr>
           <p:nvPr/>
-        </p:nvSpPr>
-        <p:spPr>
-          <a:xfrm>
-            <a:off x="3399833" y="272928"/>
-            <a:ext cx="774771" cy="636430"/>
-          </a:xfrm>
-          <a:prstGeom prst="flowChartConnector">
-            <a:avLst/>
-          </a:prstGeom>
-        </p:spPr>
-        <p:style>
-          <a:lnRef idx="1">
-            <a:schemeClr val="accent1"/>
-          </a:lnRef>
-          <a:fillRef idx="3">
-            <a:schemeClr val="accent1"/>
-          </a:fillRef>
-          <a:effectRef idx="2">
-            <a:schemeClr val="accent1"/>
-          </a:effectRef>
-          <a:fontRef idx="minor">
-            <a:schemeClr val="lt1"/>
-          </a:fontRef>
-        </p:style>
-        <p:txBody>
-          <a:bodyPr rtlCol="0" anchor="ctr"/>
-          <a:lstStyle/>
-          <a:p>
-            <a:pPr algn="ctr"/>
-            <a:r>
-              <a:rPr lang="en-US" sz="1100" dirty="0" smtClean="0"/>
-              <a:t>Begin</a:t>
-            </a:r>
-            <a:endParaRPr lang="en-US" sz="1100" dirty="0"/>
-          </a:p>
-        </p:txBody>
-      </p:sp>
-      <p:cxnSp>
-        <p:nvCxnSpPr>
-          <p:cNvPr id="8" name="Straight Arrow Connector 7"/>
-          <p:cNvCxnSpPr>
-            <a:stCxn id="6" idx="4"/>
-          </p:cNvCxnSpPr>
-          <p:nvPr/>
-        </p:nvCxnSpPr>
-        <p:spPr>
-          <a:xfrm>
-            <a:off x="3787219" y="909358"/>
-            <a:ext cx="0" cy="381131"/>
-          </a:xfrm>
-          <a:prstGeom prst="straightConnector1">
-            <a:avLst/>
-          </a:prstGeom>
-          <a:ln>
-            <a:tailEnd type="arrow"/>
-          </a:ln>
-        </p:spPr>
-        <p:style>
-          <a:lnRef idx="2">
-            <a:schemeClr val="accent1"/>
-          </a:lnRef>
-          <a:fillRef idx="0">
-            <a:schemeClr val="accent1"/>
-          </a:fillRef>
-          <a:effectRef idx="1">
-            <a:schemeClr val="accent1"/>
-          </a:effectRef>
-          <a:fontRef idx="minor">
-            <a:schemeClr val="tx1"/>
-          </a:fontRef>
-        </p:style>
-      </p:cxnSp>
-      <p:sp>
-        <p:nvSpPr>
-          <p:cNvPr id="15" name="Decision 14"/>
-          <p:cNvSpPr/>
-          <p:nvPr/>
-        </p:nvSpPr>
-        <p:spPr>
-          <a:xfrm>
-            <a:off x="2692417" y="1290489"/>
-            <a:ext cx="2199251" cy="768316"/>
-          </a:xfrm>
-          <a:prstGeom prst="flowChartDecision">
-            <a:avLst/>
-          </a:prstGeom>
-        </p:spPr>
-        <p:style>
-          <a:lnRef idx="1">
-            <a:schemeClr val="accent1"/>
-          </a:lnRef>
-          <a:fillRef idx="3">
-            <a:schemeClr val="accent1"/>
-          </a:fillRef>
-          <a:effectRef idx="2">
-            <a:schemeClr val="accent1"/>
-          </a:effectRef>
-          <a:fontRef idx="minor">
-            <a:schemeClr val="lt1"/>
-          </a:fontRef>
-        </p:style>
-        <p:txBody>
-          <a:bodyPr rtlCol="0" anchor="ctr"/>
-          <a:lstStyle/>
-          <a:p>
-            <a:pPr algn="ctr"/>
-            <a:r>
-              <a:rPr lang="en-US" sz="1200" dirty="0" smtClean="0"/>
-              <a:t>View, add, or update</a:t>
-            </a:r>
-            <a:r>
-              <a:rPr lang="en-US" sz="1200" dirty="0"/>
-              <a:t> </a:t>
-            </a:r>
-            <a:r>
-              <a:rPr lang="en-US" sz="1200" dirty="0" smtClean="0"/>
-              <a:t>layer?</a:t>
-            </a:r>
-            <a:endParaRPr lang="en-US" sz="1200" dirty="0"/>
-          </a:p>
-        </p:txBody>
-      </p:sp>
-      <p:sp>
-        <p:nvSpPr>
-          <p:cNvPr id="18" name="Process 17"/>
-          <p:cNvSpPr/>
-          <p:nvPr/>
-        </p:nvSpPr>
-        <p:spPr>
-          <a:xfrm>
-            <a:off x="298289" y="3420639"/>
-            <a:ext cx="1668133" cy="803315"/>
-          </a:xfrm>
-          <a:prstGeom prst="flowChartProcess">
-            <a:avLst/>
-          </a:prstGeom>
-        </p:spPr>
-        <p:style>
-          <a:lnRef idx="1">
-            <a:schemeClr val="accent1"/>
-          </a:lnRef>
-          <a:fillRef idx="3">
-            <a:schemeClr val="accent1"/>
-          </a:fillRef>
-          <a:effectRef idx="2">
-            <a:schemeClr val="accent1"/>
-          </a:effectRef>
-          <a:fontRef idx="minor">
-            <a:schemeClr val="lt1"/>
-          </a:fontRef>
-        </p:style>
-        <p:txBody>
-          <a:bodyPr rtlCol="0" anchor="ctr"/>
-          <a:lstStyle/>
-          <a:p>
-            <a:pPr algn="ctr"/>
-            <a:r>
-              <a:rPr lang="en-US" sz="1200" dirty="0" smtClean="0"/>
-              <a:t>Search by layer name or user to views layers; leave search fields empty to view all. </a:t>
-            </a:r>
-            <a:endParaRPr lang="en-US" sz="1200" dirty="0"/>
-          </a:p>
-        </p:txBody>
-      </p:sp>
-      <p:sp>
-        <p:nvSpPr>
-          <p:cNvPr id="19" name="Process 18"/>
-          <p:cNvSpPr/>
-          <p:nvPr/>
-        </p:nvSpPr>
-        <p:spPr>
-          <a:xfrm>
-            <a:off x="3029678" y="2846985"/>
-            <a:ext cx="1515082" cy="768315"/>
-          </a:xfrm>
-          <a:prstGeom prst="flowChartProcess">
-            <a:avLst/>
-          </a:prstGeom>
-        </p:spPr>
-        <p:style>
-          <a:lnRef idx="1">
-            <a:schemeClr val="accent1"/>
-          </a:lnRef>
-          <a:fillRef idx="3">
-            <a:schemeClr val="accent1"/>
-          </a:fillRef>
-          <a:effectRef idx="2">
-            <a:schemeClr val="accent1"/>
-          </a:effectRef>
-          <a:fontRef idx="minor">
-            <a:schemeClr val="lt1"/>
-          </a:fontRef>
-        </p:style>
-        <p:txBody>
-          <a:bodyPr rtlCol="0" anchor="ctr"/>
-          <a:lstStyle/>
-          <a:p>
-            <a:pPr algn="ctr"/>
-            <a:r>
-              <a:rPr lang="en-US" sz="1200" dirty="0" smtClean="0"/>
-              <a:t>Adds layer; enters layer details and clicks “Add”.</a:t>
-            </a:r>
-            <a:endParaRPr lang="en-US" sz="1200" dirty="0"/>
-          </a:p>
-        </p:txBody>
-      </p:sp>
-      <p:sp>
-        <p:nvSpPr>
-          <p:cNvPr id="20" name="Process 19"/>
-          <p:cNvSpPr/>
-          <p:nvPr/>
-        </p:nvSpPr>
-        <p:spPr>
-          <a:xfrm>
-            <a:off x="5248239" y="3429264"/>
-            <a:ext cx="1515082" cy="768315"/>
-          </a:xfrm>
-          <a:prstGeom prst="flowChartProcess">
-            <a:avLst/>
-          </a:prstGeom>
-        </p:spPr>
-        <p:style>
-          <a:lnRef idx="1">
-            <a:schemeClr val="accent1"/>
-          </a:lnRef>
-          <a:fillRef idx="3">
-            <a:schemeClr val="accent1"/>
-          </a:fillRef>
-          <a:effectRef idx="2">
-            <a:schemeClr val="accent1"/>
-          </a:effectRef>
-          <a:fontRef idx="minor">
-            <a:schemeClr val="lt1"/>
-          </a:fontRef>
-        </p:style>
-        <p:txBody>
-          <a:bodyPr rtlCol="0" anchor="ctr"/>
-          <a:lstStyle/>
-          <a:p>
-            <a:pPr algn="ctr"/>
-            <a:r>
-              <a:rPr lang="en-US" sz="1200" dirty="0" smtClean="0"/>
-              <a:t>Updates layer; chooses layer, modifies details, and clicks update.</a:t>
-            </a:r>
-            <a:endParaRPr lang="en-US" sz="1200" dirty="0"/>
-          </a:p>
-        </p:txBody>
-      </p:sp>
-      <p:cxnSp>
-        <p:nvCxnSpPr>
-          <p:cNvPr id="21" name="Straight Arrow Connector 20"/>
-          <p:cNvCxnSpPr>
-            <a:stCxn id="15" idx="2"/>
-            <a:endCxn id="18" idx="0"/>
-          </p:cNvCxnSpPr>
-          <p:nvPr/>
-        </p:nvCxnSpPr>
-        <p:spPr>
-          <a:xfrm flipH="1">
-            <a:off x="1132356" y="2058805"/>
-            <a:ext cx="2659687" cy="1361834"/>
-          </a:xfrm>
-          <a:prstGeom prst="straightConnector1">
-            <a:avLst/>
-          </a:prstGeom>
-          <a:ln>
-            <a:tailEnd type="arrow"/>
-          </a:ln>
-        </p:spPr>
-        <p:style>
-          <a:lnRef idx="2">
-            <a:schemeClr val="accent1"/>
-          </a:lnRef>
-          <a:fillRef idx="0">
-            <a:schemeClr val="accent1"/>
-          </a:fillRef>
-          <a:effectRef idx="1">
-            <a:schemeClr val="accent1"/>
-          </a:effectRef>
-          <a:fontRef idx="minor">
-            <a:schemeClr val="tx1"/>
-          </a:fontRef>
-        </p:style>
-      </p:cxnSp>
-      <p:cxnSp>
-        <p:nvCxnSpPr>
-          <p:cNvPr id="22" name="Straight Arrow Connector 21"/>
-          <p:cNvCxnSpPr>
-            <a:stCxn id="15" idx="2"/>
-            <a:endCxn id="19" idx="0"/>
-          </p:cNvCxnSpPr>
-          <p:nvPr/>
-        </p:nvCxnSpPr>
-        <p:spPr>
-          <a:xfrm flipH="1">
-            <a:off x="3787219" y="2058805"/>
-            <a:ext cx="4824" cy="788180"/>
-          </a:xfrm>
-          <a:prstGeom prst="straightConnector1">
-            <a:avLst/>
-          </a:prstGeom>
-          <a:ln>
-            <a:tailEnd type="arrow"/>
-          </a:ln>
-        </p:spPr>
-        <p:style>
-          <a:lnRef idx="2">
-            <a:schemeClr val="accent1"/>
-          </a:lnRef>
-          <a:fillRef idx="0">
-            <a:schemeClr val="accent1"/>
-          </a:fillRef>
-          <a:effectRef idx="1">
-            <a:schemeClr val="accent1"/>
-          </a:effectRef>
-          <a:fontRef idx="minor">
-            <a:schemeClr val="tx1"/>
-          </a:fontRef>
-        </p:style>
-      </p:cxnSp>
-      <p:cxnSp>
-        <p:nvCxnSpPr>
-          <p:cNvPr id="23" name="Straight Arrow Connector 22"/>
-          <p:cNvCxnSpPr>
-            <a:stCxn id="15" idx="2"/>
-            <a:endCxn id="20" idx="0"/>
-          </p:cNvCxnSpPr>
-          <p:nvPr/>
-        </p:nvCxnSpPr>
-        <p:spPr>
-          <a:xfrm>
-            <a:off x="3792043" y="2058805"/>
-            <a:ext cx="2213737" cy="1370459"/>
-          </a:xfrm>
-          <a:prstGeom prst="straightConnector1">
-            <a:avLst/>
-          </a:prstGeom>
-          <a:ln>
-            <a:tailEnd type="arrow"/>
-          </a:ln>
-        </p:spPr>
-        <p:style>
-          <a:lnRef idx="2">
-            <a:schemeClr val="accent1"/>
-          </a:lnRef>
-          <a:fillRef idx="0">
-            <a:schemeClr val="accent1"/>
-          </a:fillRef>
-          <a:effectRef idx="1">
-            <a:schemeClr val="accent1"/>
-          </a:effectRef>
-          <a:fontRef idx="minor">
-            <a:schemeClr val="tx1"/>
-          </a:fontRef>
-        </p:style>
-      </p:cxnSp>
-      <p:sp>
-        <p:nvSpPr>
-          <p:cNvPr id="24" name="TextBox 23"/>
-          <p:cNvSpPr txBox="1"/>
-          <p:nvPr/>
-        </p:nvSpPr>
-        <p:spPr>
-          <a:xfrm>
-            <a:off x="1840363" y="2568161"/>
-            <a:ext cx="992069" cy="276999"/>
+        </p:nvPicPr>
+        <p:blipFill>
+          <a:blip r:embed="rId3">
+            <a:extLst>
+              <a:ext uri="{28A0092B-C50C-407E-A947-70E740481C1C}">
+                <a14:useLocalDpi xmlns:a14="http://schemas.microsoft.com/office/drawing/2010/main" val="0"/>
+              </a:ext>
+            </a:extLst>
+          </a:blip>
+          <a:stretch>
+            <a:fillRect/>
+          </a:stretch>
+        </p:blipFill>
+        <p:spPr>
+          <a:xfrm>
+            <a:off x="347230" y="139406"/>
+            <a:ext cx="6337300" cy="6604000"/>
           </a:xfrm>
           <a:prstGeom prst="rect">
             <a:avLst/>
           </a:prstGeom>
-          <a:noFill/>
-        </p:spPr>
-        <p:txBody>
-          <a:bodyPr wrap="square" rtlCol="0">
-            <a:spAutoFit/>
-          </a:bodyPr>
-          <a:lstStyle/>
-          <a:p>
-            <a:r>
-              <a:rPr lang="en-US" sz="1200" dirty="0" smtClean="0"/>
-              <a:t>View</a:t>
-            </a:r>
-            <a:endParaRPr lang="en-US" sz="1200" dirty="0"/>
-          </a:p>
-        </p:txBody>
-      </p:sp>
-      <p:sp>
-        <p:nvSpPr>
-          <p:cNvPr id="25" name="TextBox 24"/>
-          <p:cNvSpPr txBox="1"/>
-          <p:nvPr/>
-        </p:nvSpPr>
-        <p:spPr>
-          <a:xfrm>
-            <a:off x="3352684" y="2512275"/>
-            <a:ext cx="992069" cy="276999"/>
-          </a:xfrm>
-          <a:prstGeom prst="rect">
-            <a:avLst/>
-          </a:prstGeom>
-          <a:noFill/>
-        </p:spPr>
-        <p:txBody>
-          <a:bodyPr wrap="square" rtlCol="0">
-            <a:spAutoFit/>
-          </a:bodyPr>
-          <a:lstStyle/>
-          <a:p>
-            <a:r>
-              <a:rPr lang="en-US" sz="1200" dirty="0" smtClean="0"/>
-              <a:t>Add</a:t>
-            </a:r>
-            <a:endParaRPr lang="en-US" sz="1200" dirty="0"/>
-          </a:p>
-        </p:txBody>
-      </p:sp>
-      <p:sp>
-        <p:nvSpPr>
-          <p:cNvPr id="26" name="TextBox 25"/>
-          <p:cNvSpPr txBox="1"/>
-          <p:nvPr/>
-        </p:nvSpPr>
-        <p:spPr>
-          <a:xfrm>
-            <a:off x="5062383" y="2568161"/>
-            <a:ext cx="992069" cy="276999"/>
-          </a:xfrm>
-          <a:prstGeom prst="rect">
-            <a:avLst/>
-          </a:prstGeom>
-          <a:noFill/>
-        </p:spPr>
-        <p:txBody>
-          <a:bodyPr wrap="square" rtlCol="0">
-            <a:spAutoFit/>
-          </a:bodyPr>
-          <a:lstStyle/>
-          <a:p>
-            <a:r>
-              <a:rPr lang="en-US" sz="1200" dirty="0" smtClean="0"/>
-              <a:t>Update</a:t>
-            </a:r>
-            <a:endParaRPr lang="en-US" sz="1200" dirty="0"/>
-          </a:p>
-        </p:txBody>
-      </p:sp>
-      <p:sp>
-        <p:nvSpPr>
-          <p:cNvPr id="27" name="Connector 26"/>
-          <p:cNvSpPr/>
-          <p:nvPr/>
-        </p:nvSpPr>
-        <p:spPr>
-          <a:xfrm>
-            <a:off x="3399833" y="5807948"/>
-            <a:ext cx="774771" cy="636430"/>
-          </a:xfrm>
-          <a:prstGeom prst="flowChartConnector">
-            <a:avLst/>
-          </a:prstGeom>
-        </p:spPr>
-        <p:style>
-          <a:lnRef idx="1">
-            <a:schemeClr val="accent1"/>
-          </a:lnRef>
-          <a:fillRef idx="3">
-            <a:schemeClr val="accent1"/>
-          </a:fillRef>
-          <a:effectRef idx="2">
-            <a:schemeClr val="accent1"/>
-          </a:effectRef>
-          <a:fontRef idx="minor">
-            <a:schemeClr val="lt1"/>
-          </a:fontRef>
-        </p:style>
-        <p:txBody>
-          <a:bodyPr rtlCol="0" anchor="ctr"/>
-          <a:lstStyle/>
-          <a:p>
-            <a:pPr algn="ctr"/>
-            <a:r>
-              <a:rPr lang="en-US" sz="1200" dirty="0" smtClean="0"/>
-              <a:t>End</a:t>
-            </a:r>
-            <a:endParaRPr lang="en-US" sz="1200" dirty="0"/>
-          </a:p>
-        </p:txBody>
-      </p:sp>
-      <p:sp>
-        <p:nvSpPr>
-          <p:cNvPr id="59" name="Process 58"/>
-          <p:cNvSpPr/>
-          <p:nvPr/>
-        </p:nvSpPr>
-        <p:spPr>
-          <a:xfrm>
-            <a:off x="1934876" y="4758836"/>
-            <a:ext cx="1515082" cy="768315"/>
-          </a:xfrm>
-          <a:prstGeom prst="flowChartProcess">
-            <a:avLst/>
-          </a:prstGeom>
-        </p:spPr>
-        <p:style>
-          <a:lnRef idx="1">
-            <a:schemeClr val="accent1"/>
-          </a:lnRef>
-          <a:fillRef idx="3">
-            <a:schemeClr val="accent1"/>
-          </a:fillRef>
-          <a:effectRef idx="2">
-            <a:schemeClr val="accent1"/>
-          </a:effectRef>
-          <a:fontRef idx="minor">
-            <a:schemeClr val="lt1"/>
-          </a:fontRef>
-        </p:style>
-        <p:txBody>
-          <a:bodyPr rtlCol="0" anchor="ctr"/>
-          <a:lstStyle/>
-          <a:p>
-            <a:pPr algn="ctr"/>
-            <a:r>
-              <a:rPr lang="en-US" sz="1200" dirty="0" smtClean="0"/>
-              <a:t>Enters User details. User saved in db.</a:t>
-            </a:r>
-            <a:endParaRPr lang="en-US" sz="1200" dirty="0"/>
-          </a:p>
-        </p:txBody>
-      </p:sp>
-      <p:sp>
-        <p:nvSpPr>
-          <p:cNvPr id="83" name="Decision 82"/>
-          <p:cNvSpPr/>
-          <p:nvPr/>
-        </p:nvSpPr>
-        <p:spPr>
-          <a:xfrm>
-            <a:off x="2811150" y="3911459"/>
-            <a:ext cx="1952138" cy="768316"/>
-          </a:xfrm>
-          <a:prstGeom prst="flowChartDecision">
-            <a:avLst/>
-          </a:prstGeom>
-        </p:spPr>
-        <p:style>
-          <a:lnRef idx="1">
-            <a:schemeClr val="accent1"/>
-          </a:lnRef>
-          <a:fillRef idx="3">
-            <a:schemeClr val="accent1"/>
-          </a:fillRef>
-          <a:effectRef idx="2">
-            <a:schemeClr val="accent1"/>
-          </a:effectRef>
-          <a:fontRef idx="minor">
-            <a:schemeClr val="lt1"/>
-          </a:fontRef>
-        </p:style>
-        <p:txBody>
-          <a:bodyPr rtlCol="0" anchor="ctr"/>
-          <a:lstStyle/>
-          <a:p>
-            <a:pPr algn="ctr"/>
-            <a:r>
-              <a:rPr lang="en-US" sz="1200" dirty="0" smtClean="0"/>
-              <a:t>Username recognized?</a:t>
-            </a:r>
-            <a:endParaRPr lang="en-US" sz="1200" dirty="0"/>
-          </a:p>
-        </p:txBody>
-      </p:sp>
-      <p:sp>
-        <p:nvSpPr>
-          <p:cNvPr id="85" name="Process 84"/>
-          <p:cNvSpPr/>
-          <p:nvPr/>
-        </p:nvSpPr>
-        <p:spPr>
-          <a:xfrm>
-            <a:off x="4174604" y="4758836"/>
-            <a:ext cx="1515082" cy="768315"/>
-          </a:xfrm>
-          <a:prstGeom prst="flowChartProcess">
-            <a:avLst/>
-          </a:prstGeom>
-        </p:spPr>
-        <p:style>
-          <a:lnRef idx="1">
-            <a:schemeClr val="accent1"/>
-          </a:lnRef>
-          <a:fillRef idx="3">
-            <a:schemeClr val="accent1"/>
-          </a:fillRef>
-          <a:effectRef idx="2">
-            <a:schemeClr val="accent1"/>
-          </a:effectRef>
-          <a:fontRef idx="minor">
-            <a:schemeClr val="lt1"/>
-          </a:fontRef>
-        </p:style>
-        <p:txBody>
-          <a:bodyPr rtlCol="0" anchor="ctr"/>
-          <a:lstStyle/>
-          <a:p>
-            <a:pPr algn="ctr"/>
-            <a:r>
-              <a:rPr lang="en-US" sz="1200" dirty="0" smtClean="0"/>
-              <a:t>Layer saved in database.</a:t>
-            </a:r>
-            <a:endParaRPr lang="en-US" sz="1200" dirty="0"/>
-          </a:p>
-        </p:txBody>
-      </p:sp>
-      <p:cxnSp>
-        <p:nvCxnSpPr>
-          <p:cNvPr id="86" name="Straight Arrow Connector 85"/>
-          <p:cNvCxnSpPr>
-            <a:stCxn id="83" idx="1"/>
-            <a:endCxn id="59" idx="0"/>
-          </p:cNvCxnSpPr>
-          <p:nvPr/>
-        </p:nvCxnSpPr>
-        <p:spPr>
-          <a:xfrm flipH="1">
-            <a:off x="2692417" y="4295617"/>
-            <a:ext cx="118733" cy="463219"/>
-          </a:xfrm>
-          <a:prstGeom prst="straightConnector1">
-            <a:avLst/>
-          </a:prstGeom>
-          <a:ln>
-            <a:tailEnd type="arrow"/>
-          </a:ln>
-        </p:spPr>
-        <p:style>
-          <a:lnRef idx="2">
-            <a:schemeClr val="accent1"/>
-          </a:lnRef>
-          <a:fillRef idx="0">
-            <a:schemeClr val="accent1"/>
-          </a:fillRef>
-          <a:effectRef idx="1">
-            <a:schemeClr val="accent1"/>
-          </a:effectRef>
-          <a:fontRef idx="minor">
-            <a:schemeClr val="tx1"/>
-          </a:fontRef>
-        </p:style>
-      </p:cxnSp>
-      <p:cxnSp>
-        <p:nvCxnSpPr>
-          <p:cNvPr id="89" name="Straight Arrow Connector 88"/>
-          <p:cNvCxnSpPr>
-            <a:stCxn id="83" idx="3"/>
-            <a:endCxn id="85" idx="0"/>
-          </p:cNvCxnSpPr>
-          <p:nvPr/>
-        </p:nvCxnSpPr>
-        <p:spPr>
-          <a:xfrm>
-            <a:off x="4763288" y="4295617"/>
-            <a:ext cx="168857" cy="463219"/>
-          </a:xfrm>
-          <a:prstGeom prst="straightConnector1">
-            <a:avLst/>
-          </a:prstGeom>
-          <a:ln>
-            <a:tailEnd type="arrow"/>
-          </a:ln>
-        </p:spPr>
-        <p:style>
-          <a:lnRef idx="2">
-            <a:schemeClr val="accent1"/>
-          </a:lnRef>
-          <a:fillRef idx="0">
-            <a:schemeClr val="accent1"/>
-          </a:fillRef>
-          <a:effectRef idx="1">
-            <a:schemeClr val="accent1"/>
-          </a:effectRef>
-          <a:fontRef idx="minor">
-            <a:schemeClr val="tx1"/>
-          </a:fontRef>
-        </p:style>
-      </p:cxnSp>
-      <p:sp>
-        <p:nvSpPr>
-          <p:cNvPr id="93" name="TextBox 92"/>
-          <p:cNvSpPr txBox="1"/>
-          <p:nvPr/>
-        </p:nvSpPr>
-        <p:spPr>
-          <a:xfrm>
-            <a:off x="2296031" y="4331113"/>
-            <a:ext cx="992069" cy="276999"/>
-          </a:xfrm>
-          <a:prstGeom prst="rect">
-            <a:avLst/>
-          </a:prstGeom>
-          <a:noFill/>
-        </p:spPr>
-        <p:txBody>
-          <a:bodyPr wrap="square" rtlCol="0">
-            <a:spAutoFit/>
-          </a:bodyPr>
-          <a:lstStyle/>
-          <a:p>
-            <a:r>
-              <a:rPr lang="en-US" sz="1200" dirty="0" smtClean="0"/>
-              <a:t>No</a:t>
-            </a:r>
-            <a:endParaRPr lang="en-US" sz="1200" dirty="0"/>
-          </a:p>
-        </p:txBody>
-      </p:sp>
-      <p:sp>
-        <p:nvSpPr>
-          <p:cNvPr id="94" name="TextBox 93"/>
-          <p:cNvSpPr txBox="1"/>
-          <p:nvPr/>
-        </p:nvSpPr>
-        <p:spPr>
-          <a:xfrm>
-            <a:off x="4891668" y="4345013"/>
-            <a:ext cx="992069" cy="276999"/>
-          </a:xfrm>
-          <a:prstGeom prst="rect">
-            <a:avLst/>
-          </a:prstGeom>
-          <a:noFill/>
-        </p:spPr>
-        <p:txBody>
-          <a:bodyPr wrap="square" rtlCol="0">
-            <a:spAutoFit/>
-          </a:bodyPr>
-          <a:lstStyle/>
-          <a:p>
-            <a:r>
-              <a:rPr lang="en-US" sz="1200" dirty="0" smtClean="0"/>
-              <a:t>Yes</a:t>
-            </a:r>
-            <a:endParaRPr lang="en-US" sz="1200" dirty="0"/>
-          </a:p>
-        </p:txBody>
-      </p:sp>
-      <p:cxnSp>
-        <p:nvCxnSpPr>
-          <p:cNvPr id="95" name="Straight Arrow Connector 94"/>
-          <p:cNvCxnSpPr>
-            <a:stCxn id="19" idx="2"/>
-            <a:endCxn id="83" idx="0"/>
-          </p:cNvCxnSpPr>
-          <p:nvPr/>
-        </p:nvCxnSpPr>
-        <p:spPr>
-          <a:xfrm>
-            <a:off x="3787219" y="3615300"/>
-            <a:ext cx="0" cy="296159"/>
-          </a:xfrm>
-          <a:prstGeom prst="straightConnector1">
-            <a:avLst/>
-          </a:prstGeom>
-          <a:ln>
-            <a:tailEnd type="arrow"/>
-          </a:ln>
-        </p:spPr>
-        <p:style>
-          <a:lnRef idx="2">
-            <a:schemeClr val="accent1"/>
-          </a:lnRef>
-          <a:fillRef idx="0">
-            <a:schemeClr val="accent1"/>
-          </a:fillRef>
-          <a:effectRef idx="1">
-            <a:schemeClr val="accent1"/>
-          </a:effectRef>
-          <a:fontRef idx="minor">
-            <a:schemeClr val="tx1"/>
-          </a:fontRef>
-        </p:style>
-      </p:cxnSp>
-      <p:cxnSp>
-        <p:nvCxnSpPr>
-          <p:cNvPr id="101" name="Straight Arrow Connector 100"/>
-          <p:cNvCxnSpPr>
-            <a:stCxn id="59" idx="3"/>
-            <a:endCxn id="85" idx="1"/>
-          </p:cNvCxnSpPr>
-          <p:nvPr/>
-        </p:nvCxnSpPr>
-        <p:spPr>
-          <a:xfrm>
-            <a:off x="3449958" y="5142994"/>
-            <a:ext cx="724646" cy="0"/>
-          </a:xfrm>
-          <a:prstGeom prst="straightConnector1">
-            <a:avLst/>
-          </a:prstGeom>
-          <a:ln>
-            <a:tailEnd type="arrow"/>
-          </a:ln>
-        </p:spPr>
-        <p:style>
-          <a:lnRef idx="2">
-            <a:schemeClr val="accent1"/>
-          </a:lnRef>
-          <a:fillRef idx="0">
-            <a:schemeClr val="accent1"/>
-          </a:fillRef>
-          <a:effectRef idx="1">
-            <a:schemeClr val="accent1"/>
-          </a:effectRef>
-          <a:fontRef idx="minor">
-            <a:schemeClr val="tx1"/>
-          </a:fontRef>
-        </p:style>
-      </p:cxnSp>
-      <p:cxnSp>
-        <p:nvCxnSpPr>
-          <p:cNvPr id="107" name="Straight Arrow Connector 106"/>
-          <p:cNvCxnSpPr>
-            <a:stCxn id="85" idx="2"/>
-            <a:endCxn id="27" idx="0"/>
-          </p:cNvCxnSpPr>
-          <p:nvPr/>
-        </p:nvCxnSpPr>
-        <p:spPr>
-          <a:xfrm flipH="1">
-            <a:off x="3787219" y="5527151"/>
-            <a:ext cx="1144926" cy="280797"/>
-          </a:xfrm>
-          <a:prstGeom prst="straightConnector1">
-            <a:avLst/>
-          </a:prstGeom>
-          <a:ln>
-            <a:tailEnd type="arrow"/>
-          </a:ln>
-        </p:spPr>
-        <p:style>
-          <a:lnRef idx="2">
-            <a:schemeClr val="accent1"/>
-          </a:lnRef>
-          <a:fillRef idx="0">
-            <a:schemeClr val="accent1"/>
-          </a:fillRef>
-          <a:effectRef idx="1">
-            <a:schemeClr val="accent1"/>
-          </a:effectRef>
-          <a:fontRef idx="minor">
-            <a:schemeClr val="tx1"/>
-          </a:fontRef>
-        </p:style>
-      </p:cxnSp>
-      <p:cxnSp>
-        <p:nvCxnSpPr>
-          <p:cNvPr id="110" name="Straight Arrow Connector 109"/>
-          <p:cNvCxnSpPr/>
-          <p:nvPr/>
-        </p:nvCxnSpPr>
-        <p:spPr>
-          <a:xfrm flipH="1">
-            <a:off x="3795835" y="5826657"/>
-            <a:ext cx="2209945" cy="0"/>
-          </a:xfrm>
-          <a:prstGeom prst="straightConnector1">
-            <a:avLst/>
-          </a:prstGeom>
-          <a:ln>
-            <a:tailEnd type="arrow"/>
-          </a:ln>
-        </p:spPr>
-        <p:style>
-          <a:lnRef idx="2">
-            <a:schemeClr val="accent1"/>
-          </a:lnRef>
-          <a:fillRef idx="0">
-            <a:schemeClr val="accent1"/>
-          </a:fillRef>
-          <a:effectRef idx="1">
-            <a:schemeClr val="accent1"/>
-          </a:effectRef>
-          <a:fontRef idx="minor">
-            <a:schemeClr val="tx1"/>
-          </a:fontRef>
-        </p:style>
-      </p:cxnSp>
-      <p:cxnSp>
-        <p:nvCxnSpPr>
-          <p:cNvPr id="115" name="Straight Arrow Connector 114"/>
-          <p:cNvCxnSpPr>
-            <a:endCxn id="20" idx="2"/>
-          </p:cNvCxnSpPr>
-          <p:nvPr/>
-        </p:nvCxnSpPr>
-        <p:spPr>
-          <a:xfrm flipV="1">
-            <a:off x="6005780" y="4197579"/>
-            <a:ext cx="0" cy="1629078"/>
-          </a:xfrm>
-          <a:prstGeom prst="straightConnector1">
-            <a:avLst/>
-          </a:prstGeom>
-          <a:ln>
-            <a:tailEnd type="none"/>
-          </a:ln>
-        </p:spPr>
-        <p:style>
-          <a:lnRef idx="2">
-            <a:schemeClr val="accent1"/>
-          </a:lnRef>
-          <a:fillRef idx="0">
-            <a:schemeClr val="accent1"/>
-          </a:fillRef>
-          <a:effectRef idx="1">
-            <a:schemeClr val="accent1"/>
-          </a:effectRef>
-          <a:fontRef idx="minor">
-            <a:schemeClr val="tx1"/>
-          </a:fontRef>
-        </p:style>
-      </p:cxnSp>
-      <p:cxnSp>
-        <p:nvCxnSpPr>
-          <p:cNvPr id="122" name="Straight Arrow Connector 121"/>
-          <p:cNvCxnSpPr>
-            <a:endCxn id="27" idx="0"/>
-          </p:cNvCxnSpPr>
-          <p:nvPr/>
-        </p:nvCxnSpPr>
-        <p:spPr>
-          <a:xfrm>
-            <a:off x="1132356" y="5807948"/>
-            <a:ext cx="2654863" cy="0"/>
-          </a:xfrm>
-          <a:prstGeom prst="straightConnector1">
-            <a:avLst/>
-          </a:prstGeom>
-          <a:ln>
-            <a:tailEnd type="arrow"/>
-          </a:ln>
-        </p:spPr>
-        <p:style>
-          <a:lnRef idx="2">
-            <a:schemeClr val="accent1"/>
-          </a:lnRef>
-          <a:fillRef idx="0">
-            <a:schemeClr val="accent1"/>
-          </a:fillRef>
-          <a:effectRef idx="1">
-            <a:schemeClr val="accent1"/>
-          </a:effectRef>
-          <a:fontRef idx="minor">
-            <a:schemeClr val="tx1"/>
-          </a:fontRef>
-        </p:style>
-      </p:cxnSp>
-      <p:cxnSp>
-        <p:nvCxnSpPr>
-          <p:cNvPr id="123" name="Straight Arrow Connector 122"/>
-          <p:cNvCxnSpPr>
-            <a:endCxn id="18" idx="2"/>
-          </p:cNvCxnSpPr>
-          <p:nvPr/>
-        </p:nvCxnSpPr>
-        <p:spPr>
-          <a:xfrm flipV="1">
-            <a:off x="1132356" y="4223954"/>
-            <a:ext cx="0" cy="1583994"/>
-          </a:xfrm>
-          <a:prstGeom prst="straightConnector1">
-            <a:avLst/>
-          </a:prstGeom>
-          <a:ln>
-            <a:tailEnd type="none"/>
-          </a:ln>
-        </p:spPr>
-        <p:style>
-          <a:lnRef idx="2">
-            <a:schemeClr val="accent1"/>
-          </a:lnRef>
-          <a:fillRef idx="0">
-            <a:schemeClr val="accent1"/>
-          </a:fillRef>
-          <a:effectRef idx="1">
-            <a:schemeClr val="accent1"/>
-          </a:effectRef>
-          <a:fontRef idx="minor">
-            <a:schemeClr val="tx1"/>
-          </a:fontRef>
-        </p:style>
-      </p:cxnSp>
-      <p:cxnSp>
-        <p:nvCxnSpPr>
-          <p:cNvPr id="135" name="Straight Arrow Connector 134"/>
-          <p:cNvCxnSpPr>
-            <a:stCxn id="19" idx="3"/>
-            <a:endCxn id="139" idx="1"/>
-          </p:cNvCxnSpPr>
-          <p:nvPr/>
-        </p:nvCxnSpPr>
-        <p:spPr>
-          <a:xfrm>
-            <a:off x="4544760" y="3231143"/>
-            <a:ext cx="218528" cy="0"/>
-          </a:xfrm>
-          <a:prstGeom prst="straightConnector1">
-            <a:avLst/>
-          </a:prstGeom>
-          <a:ln>
-            <a:tailEnd type="arrow"/>
-          </a:ln>
-        </p:spPr>
-        <p:style>
-          <a:lnRef idx="2">
-            <a:schemeClr val="accent1"/>
-          </a:lnRef>
-          <a:fillRef idx="0">
-            <a:schemeClr val="accent1"/>
-          </a:fillRef>
-          <a:effectRef idx="1">
-            <a:schemeClr val="accent1"/>
-          </a:effectRef>
-          <a:fontRef idx="minor">
-            <a:schemeClr val="tx1"/>
-          </a:fontRef>
-        </p:style>
-      </p:cxnSp>
-      <p:sp>
-        <p:nvSpPr>
-          <p:cNvPr id="139" name="Off-page Connector 138"/>
-          <p:cNvSpPr/>
-          <p:nvPr/>
-        </p:nvSpPr>
-        <p:spPr>
-          <a:xfrm>
-            <a:off x="4763288" y="3022149"/>
-            <a:ext cx="449459" cy="417987"/>
-          </a:xfrm>
-          <a:prstGeom prst="flowChartOffpageConnector">
-            <a:avLst/>
-          </a:prstGeom>
-        </p:spPr>
-        <p:style>
-          <a:lnRef idx="1">
-            <a:schemeClr val="accent1"/>
-          </a:lnRef>
-          <a:fillRef idx="3">
-            <a:schemeClr val="accent1"/>
-          </a:fillRef>
-          <a:effectRef idx="2">
-            <a:schemeClr val="accent1"/>
-          </a:effectRef>
-          <a:fontRef idx="minor">
-            <a:schemeClr val="lt1"/>
-          </a:fontRef>
-        </p:style>
-        <p:txBody>
-          <a:bodyPr rtlCol="0" anchor="ctr"/>
-          <a:lstStyle/>
-          <a:p>
-            <a:pPr algn="ctr"/>
-            <a:r>
-              <a:rPr lang="en-US" sz="1200" dirty="0" smtClean="0"/>
-              <a:t>1</a:t>
-            </a:r>
-            <a:endParaRPr lang="en-US" sz="1200" dirty="0"/>
-          </a:p>
-        </p:txBody>
-      </p:sp>
-      <p:cxnSp>
-        <p:nvCxnSpPr>
-          <p:cNvPr id="145" name="Straight Arrow Connector 144"/>
-          <p:cNvCxnSpPr>
-            <a:stCxn id="20" idx="1"/>
-            <a:endCxn id="139" idx="2"/>
-          </p:cNvCxnSpPr>
-          <p:nvPr/>
-        </p:nvCxnSpPr>
-        <p:spPr>
-          <a:xfrm flipH="1" flipV="1">
-            <a:off x="4988018" y="3440136"/>
-            <a:ext cx="260221" cy="373286"/>
-          </a:xfrm>
-          <a:prstGeom prst="straightConnector1">
-            <a:avLst/>
-          </a:prstGeom>
-          <a:ln>
-            <a:tailEnd type="arrow"/>
-          </a:ln>
-        </p:spPr>
-        <p:style>
-          <a:lnRef idx="2">
-            <a:schemeClr val="accent1"/>
-          </a:lnRef>
-          <a:fillRef idx="0">
-            <a:schemeClr val="accent1"/>
-          </a:fillRef>
-          <a:effectRef idx="1">
-            <a:schemeClr val="accent1"/>
-          </a:effectRef>
-          <a:fontRef idx="minor">
-            <a:schemeClr val="tx1"/>
-          </a:fontRef>
-        </p:style>
-      </p:cxnSp>
-      <p:sp>
-        <p:nvSpPr>
-          <p:cNvPr id="148" name="Off-page Connector 147"/>
-          <p:cNvSpPr/>
-          <p:nvPr/>
-        </p:nvSpPr>
-        <p:spPr>
-          <a:xfrm>
-            <a:off x="2242958" y="3022149"/>
-            <a:ext cx="449459" cy="417987"/>
-          </a:xfrm>
-          <a:prstGeom prst="flowChartOffpageConnector">
-            <a:avLst/>
-          </a:prstGeom>
-        </p:spPr>
-        <p:style>
-          <a:lnRef idx="1">
-            <a:schemeClr val="accent1"/>
-          </a:lnRef>
-          <a:fillRef idx="3">
-            <a:schemeClr val="accent1"/>
-          </a:fillRef>
-          <a:effectRef idx="2">
-            <a:schemeClr val="accent1"/>
-          </a:effectRef>
-          <a:fontRef idx="minor">
-            <a:schemeClr val="lt1"/>
-          </a:fontRef>
-        </p:style>
-        <p:txBody>
-          <a:bodyPr rtlCol="0" anchor="ctr"/>
-          <a:lstStyle/>
-          <a:p>
-            <a:pPr algn="ctr"/>
-            <a:r>
-              <a:rPr lang="en-US" sz="1200" dirty="0"/>
-              <a:t>2</a:t>
-            </a:r>
-          </a:p>
-        </p:txBody>
-      </p:sp>
-      <p:cxnSp>
-        <p:nvCxnSpPr>
-          <p:cNvPr id="149" name="Straight Arrow Connector 148"/>
-          <p:cNvCxnSpPr>
-            <a:stCxn id="148" idx="3"/>
-            <a:endCxn id="19" idx="1"/>
-          </p:cNvCxnSpPr>
-          <p:nvPr/>
-        </p:nvCxnSpPr>
-        <p:spPr>
-          <a:xfrm>
-            <a:off x="2692417" y="3231143"/>
-            <a:ext cx="337261" cy="0"/>
-          </a:xfrm>
-          <a:prstGeom prst="straightConnector1">
-            <a:avLst/>
-          </a:prstGeom>
-          <a:ln>
-            <a:tailEnd type="arrow"/>
-          </a:ln>
-        </p:spPr>
-        <p:style>
-          <a:lnRef idx="2">
-            <a:schemeClr val="accent1"/>
-          </a:lnRef>
-          <a:fillRef idx="0">
-            <a:schemeClr val="accent1"/>
-          </a:fillRef>
-          <a:effectRef idx="1">
-            <a:schemeClr val="accent1"/>
-          </a:effectRef>
-          <a:fontRef idx="minor">
-            <a:schemeClr val="tx1"/>
-          </a:fontRef>
-        </p:style>
-      </p:cxnSp>
+        </p:spPr>
+      </p:pic>
     </p:spTree>
     <p:extLst>
       <p:ext uri="{BB962C8B-B14F-4D97-AF65-F5344CB8AC3E}">
-        <p14:creationId xmlns:p14="http://schemas.microsoft.com/office/powerpoint/2010/main" val="4256496526"/>
+        <p14:creationId xmlns:p14="http://schemas.microsoft.com/office/powerpoint/2010/main" val="1656889802"/>
       </p:ext>
     </p:extLst>
   </p:cSld>
@@ -5791,6 +4714,1092 @@
       </p:grpSpPr>
       <p:sp>
         <p:nvSpPr>
+          <p:cNvPr id="4" name="Vertical Title 3"/>
+          <p:cNvSpPr>
+            <a:spLocks noGrp="1"/>
+          </p:cNvSpPr>
+          <p:nvPr>
+            <p:ph type="title" orient="vert"/>
+          </p:nvPr>
+        </p:nvSpPr>
+        <p:spPr/>
+        <p:txBody>
+          <a:bodyPr/>
+          <a:lstStyle/>
+          <a:p>
+            <a:r>
+              <a:rPr lang="en-US" dirty="0" smtClean="0"/>
+              <a:t>User interactions</a:t>
+            </a:r>
+            <a:endParaRPr lang="en-US" dirty="0"/>
+          </a:p>
+        </p:txBody>
+      </p:sp>
+      <p:sp>
+        <p:nvSpPr>
+          <p:cNvPr id="6" name="Connector 5"/>
+          <p:cNvSpPr/>
+          <p:nvPr/>
+        </p:nvSpPr>
+        <p:spPr>
+          <a:xfrm>
+            <a:off x="3399833" y="272928"/>
+            <a:ext cx="774771" cy="636430"/>
+          </a:xfrm>
+          <a:prstGeom prst="flowChartConnector">
+            <a:avLst/>
+          </a:prstGeom>
+        </p:spPr>
+        <p:style>
+          <a:lnRef idx="1">
+            <a:schemeClr val="accent1"/>
+          </a:lnRef>
+          <a:fillRef idx="3">
+            <a:schemeClr val="accent1"/>
+          </a:fillRef>
+          <a:effectRef idx="2">
+            <a:schemeClr val="accent1"/>
+          </a:effectRef>
+          <a:fontRef idx="minor">
+            <a:schemeClr val="lt1"/>
+          </a:fontRef>
+        </p:style>
+        <p:txBody>
+          <a:bodyPr rtlCol="0" anchor="ctr"/>
+          <a:lstStyle/>
+          <a:p>
+            <a:pPr algn="ctr"/>
+            <a:r>
+              <a:rPr lang="en-US" sz="1100" dirty="0" smtClean="0"/>
+              <a:t>Begin</a:t>
+            </a:r>
+            <a:endParaRPr lang="en-US" sz="1100" dirty="0"/>
+          </a:p>
+        </p:txBody>
+      </p:sp>
+      <p:cxnSp>
+        <p:nvCxnSpPr>
+          <p:cNvPr id="8" name="Straight Arrow Connector 7"/>
+          <p:cNvCxnSpPr>
+            <a:stCxn id="6" idx="4"/>
+          </p:cNvCxnSpPr>
+          <p:nvPr/>
+        </p:nvCxnSpPr>
+        <p:spPr>
+          <a:xfrm>
+            <a:off x="3787219" y="909358"/>
+            <a:ext cx="0" cy="381131"/>
+          </a:xfrm>
+          <a:prstGeom prst="straightConnector1">
+            <a:avLst/>
+          </a:prstGeom>
+          <a:ln>
+            <a:tailEnd type="arrow"/>
+          </a:ln>
+        </p:spPr>
+        <p:style>
+          <a:lnRef idx="2">
+            <a:schemeClr val="accent1"/>
+          </a:lnRef>
+          <a:fillRef idx="0">
+            <a:schemeClr val="accent1"/>
+          </a:fillRef>
+          <a:effectRef idx="1">
+            <a:schemeClr val="accent1"/>
+          </a:effectRef>
+          <a:fontRef idx="minor">
+            <a:schemeClr val="tx1"/>
+          </a:fontRef>
+        </p:style>
+      </p:cxnSp>
+      <p:sp>
+        <p:nvSpPr>
+          <p:cNvPr id="15" name="Decision 14"/>
+          <p:cNvSpPr/>
+          <p:nvPr/>
+        </p:nvSpPr>
+        <p:spPr>
+          <a:xfrm>
+            <a:off x="2692417" y="1290489"/>
+            <a:ext cx="2199251" cy="768316"/>
+          </a:xfrm>
+          <a:prstGeom prst="flowChartDecision">
+            <a:avLst/>
+          </a:prstGeom>
+        </p:spPr>
+        <p:style>
+          <a:lnRef idx="1">
+            <a:schemeClr val="accent1"/>
+          </a:lnRef>
+          <a:fillRef idx="3">
+            <a:schemeClr val="accent1"/>
+          </a:fillRef>
+          <a:effectRef idx="2">
+            <a:schemeClr val="accent1"/>
+          </a:effectRef>
+          <a:fontRef idx="minor">
+            <a:schemeClr val="lt1"/>
+          </a:fontRef>
+        </p:style>
+        <p:txBody>
+          <a:bodyPr rtlCol="0" anchor="ctr"/>
+          <a:lstStyle/>
+          <a:p>
+            <a:pPr algn="ctr"/>
+            <a:r>
+              <a:rPr lang="en-US" sz="1200" dirty="0" smtClean="0"/>
+              <a:t>View, add, or update</a:t>
+            </a:r>
+            <a:r>
+              <a:rPr lang="en-US" sz="1200" dirty="0"/>
+              <a:t> </a:t>
+            </a:r>
+            <a:r>
+              <a:rPr lang="en-US" sz="1200" dirty="0" smtClean="0"/>
+              <a:t>layer?</a:t>
+            </a:r>
+            <a:endParaRPr lang="en-US" sz="1200" dirty="0"/>
+          </a:p>
+        </p:txBody>
+      </p:sp>
+      <p:sp>
+        <p:nvSpPr>
+          <p:cNvPr id="18" name="Process 17"/>
+          <p:cNvSpPr/>
+          <p:nvPr/>
+        </p:nvSpPr>
+        <p:spPr>
+          <a:xfrm>
+            <a:off x="298289" y="3420639"/>
+            <a:ext cx="1668133" cy="803315"/>
+          </a:xfrm>
+          <a:prstGeom prst="flowChartProcess">
+            <a:avLst/>
+          </a:prstGeom>
+        </p:spPr>
+        <p:style>
+          <a:lnRef idx="1">
+            <a:schemeClr val="accent1"/>
+          </a:lnRef>
+          <a:fillRef idx="3">
+            <a:schemeClr val="accent1"/>
+          </a:fillRef>
+          <a:effectRef idx="2">
+            <a:schemeClr val="accent1"/>
+          </a:effectRef>
+          <a:fontRef idx="minor">
+            <a:schemeClr val="lt1"/>
+          </a:fontRef>
+        </p:style>
+        <p:txBody>
+          <a:bodyPr rtlCol="0" anchor="ctr"/>
+          <a:lstStyle/>
+          <a:p>
+            <a:pPr algn="ctr"/>
+            <a:r>
+              <a:rPr lang="en-US" sz="1200" dirty="0" smtClean="0"/>
+              <a:t>Search by </a:t>
+            </a:r>
+            <a:r>
+              <a:rPr lang="en-US" sz="1200" dirty="0" smtClean="0"/>
+              <a:t>layer fields to </a:t>
+            </a:r>
+            <a:r>
+              <a:rPr lang="en-US" sz="1200" dirty="0" smtClean="0"/>
+              <a:t>views layers; leave search fields empty to view all. </a:t>
+            </a:r>
+            <a:endParaRPr lang="en-US" sz="1200" dirty="0"/>
+          </a:p>
+        </p:txBody>
+      </p:sp>
+      <p:sp>
+        <p:nvSpPr>
+          <p:cNvPr id="19" name="Process 18"/>
+          <p:cNvSpPr/>
+          <p:nvPr/>
+        </p:nvSpPr>
+        <p:spPr>
+          <a:xfrm>
+            <a:off x="3674548" y="4467502"/>
+            <a:ext cx="1515082" cy="768315"/>
+          </a:xfrm>
+          <a:prstGeom prst="flowChartProcess">
+            <a:avLst/>
+          </a:prstGeom>
+        </p:spPr>
+        <p:style>
+          <a:lnRef idx="1">
+            <a:schemeClr val="accent1"/>
+          </a:lnRef>
+          <a:fillRef idx="3">
+            <a:schemeClr val="accent1"/>
+          </a:fillRef>
+          <a:effectRef idx="2">
+            <a:schemeClr val="accent1"/>
+          </a:effectRef>
+          <a:fontRef idx="minor">
+            <a:schemeClr val="lt1"/>
+          </a:fontRef>
+        </p:style>
+        <p:txBody>
+          <a:bodyPr rtlCol="0" anchor="ctr"/>
+          <a:lstStyle/>
+          <a:p>
+            <a:pPr algn="ctr"/>
+            <a:r>
+              <a:rPr lang="en-US" sz="1200" dirty="0" smtClean="0"/>
+              <a:t>Adds layer; enters layer details and clicks “Add”.</a:t>
+            </a:r>
+            <a:endParaRPr lang="en-US" sz="1200" dirty="0"/>
+          </a:p>
+        </p:txBody>
+      </p:sp>
+      <p:sp>
+        <p:nvSpPr>
+          <p:cNvPr id="20" name="Process 19"/>
+          <p:cNvSpPr/>
+          <p:nvPr/>
+        </p:nvSpPr>
+        <p:spPr>
+          <a:xfrm>
+            <a:off x="5248239" y="3429264"/>
+            <a:ext cx="1515082" cy="768315"/>
+          </a:xfrm>
+          <a:prstGeom prst="flowChartProcess">
+            <a:avLst/>
+          </a:prstGeom>
+        </p:spPr>
+        <p:style>
+          <a:lnRef idx="1">
+            <a:schemeClr val="accent1"/>
+          </a:lnRef>
+          <a:fillRef idx="3">
+            <a:schemeClr val="accent1"/>
+          </a:fillRef>
+          <a:effectRef idx="2">
+            <a:schemeClr val="accent1"/>
+          </a:effectRef>
+          <a:fontRef idx="minor">
+            <a:schemeClr val="lt1"/>
+          </a:fontRef>
+        </p:style>
+        <p:txBody>
+          <a:bodyPr rtlCol="0" anchor="ctr"/>
+          <a:lstStyle/>
+          <a:p>
+            <a:pPr algn="ctr"/>
+            <a:r>
+              <a:rPr lang="en-US" sz="1200" dirty="0" smtClean="0"/>
+              <a:t>Updates layer; chooses layer, modifies </a:t>
+            </a:r>
+            <a:r>
+              <a:rPr lang="en-US" sz="1200" dirty="0" smtClean="0"/>
+              <a:t>details, </a:t>
+            </a:r>
+            <a:r>
+              <a:rPr lang="en-US" sz="1200" dirty="0" smtClean="0"/>
+              <a:t>and clicks update.</a:t>
+            </a:r>
+            <a:endParaRPr lang="en-US" sz="1200" dirty="0"/>
+          </a:p>
+        </p:txBody>
+      </p:sp>
+      <p:cxnSp>
+        <p:nvCxnSpPr>
+          <p:cNvPr id="21" name="Straight Arrow Connector 20"/>
+          <p:cNvCxnSpPr>
+            <a:stCxn id="15" idx="2"/>
+            <a:endCxn id="18" idx="0"/>
+          </p:cNvCxnSpPr>
+          <p:nvPr/>
+        </p:nvCxnSpPr>
+        <p:spPr>
+          <a:xfrm flipH="1">
+            <a:off x="1132356" y="2058805"/>
+            <a:ext cx="2659687" cy="1361834"/>
+          </a:xfrm>
+          <a:prstGeom prst="straightConnector1">
+            <a:avLst/>
+          </a:prstGeom>
+          <a:ln>
+            <a:tailEnd type="arrow"/>
+          </a:ln>
+        </p:spPr>
+        <p:style>
+          <a:lnRef idx="2">
+            <a:schemeClr val="accent1"/>
+          </a:lnRef>
+          <a:fillRef idx="0">
+            <a:schemeClr val="accent1"/>
+          </a:fillRef>
+          <a:effectRef idx="1">
+            <a:schemeClr val="accent1"/>
+          </a:effectRef>
+          <a:fontRef idx="minor">
+            <a:schemeClr val="tx1"/>
+          </a:fontRef>
+        </p:style>
+      </p:cxnSp>
+      <p:cxnSp>
+        <p:nvCxnSpPr>
+          <p:cNvPr id="22" name="Straight Arrow Connector 21"/>
+          <p:cNvCxnSpPr>
+            <a:stCxn id="15" idx="2"/>
+            <a:endCxn id="83" idx="0"/>
+          </p:cNvCxnSpPr>
+          <p:nvPr/>
+        </p:nvCxnSpPr>
+        <p:spPr>
+          <a:xfrm flipH="1">
+            <a:off x="3787219" y="2058805"/>
+            <a:ext cx="4824" cy="730469"/>
+          </a:xfrm>
+          <a:prstGeom prst="straightConnector1">
+            <a:avLst/>
+          </a:prstGeom>
+          <a:ln>
+            <a:tailEnd type="arrow"/>
+          </a:ln>
+        </p:spPr>
+        <p:style>
+          <a:lnRef idx="2">
+            <a:schemeClr val="accent1"/>
+          </a:lnRef>
+          <a:fillRef idx="0">
+            <a:schemeClr val="accent1"/>
+          </a:fillRef>
+          <a:effectRef idx="1">
+            <a:schemeClr val="accent1"/>
+          </a:effectRef>
+          <a:fontRef idx="minor">
+            <a:schemeClr val="tx1"/>
+          </a:fontRef>
+        </p:style>
+      </p:cxnSp>
+      <p:cxnSp>
+        <p:nvCxnSpPr>
+          <p:cNvPr id="23" name="Straight Arrow Connector 22"/>
+          <p:cNvCxnSpPr>
+            <a:stCxn id="15" idx="2"/>
+            <a:endCxn id="20" idx="0"/>
+          </p:cNvCxnSpPr>
+          <p:nvPr/>
+        </p:nvCxnSpPr>
+        <p:spPr>
+          <a:xfrm>
+            <a:off x="3792043" y="2058805"/>
+            <a:ext cx="2213737" cy="1370459"/>
+          </a:xfrm>
+          <a:prstGeom prst="straightConnector1">
+            <a:avLst/>
+          </a:prstGeom>
+          <a:ln>
+            <a:tailEnd type="arrow"/>
+          </a:ln>
+        </p:spPr>
+        <p:style>
+          <a:lnRef idx="2">
+            <a:schemeClr val="accent1"/>
+          </a:lnRef>
+          <a:fillRef idx="0">
+            <a:schemeClr val="accent1"/>
+          </a:fillRef>
+          <a:effectRef idx="1">
+            <a:schemeClr val="accent1"/>
+          </a:effectRef>
+          <a:fontRef idx="minor">
+            <a:schemeClr val="tx1"/>
+          </a:fontRef>
+        </p:style>
+      </p:cxnSp>
+      <p:sp>
+        <p:nvSpPr>
+          <p:cNvPr id="24" name="TextBox 23"/>
+          <p:cNvSpPr txBox="1"/>
+          <p:nvPr/>
+        </p:nvSpPr>
+        <p:spPr>
+          <a:xfrm>
+            <a:off x="1840363" y="2568161"/>
+            <a:ext cx="992069" cy="276999"/>
+          </a:xfrm>
+          <a:prstGeom prst="rect">
+            <a:avLst/>
+          </a:prstGeom>
+          <a:noFill/>
+        </p:spPr>
+        <p:txBody>
+          <a:bodyPr wrap="square" rtlCol="0">
+            <a:spAutoFit/>
+          </a:bodyPr>
+          <a:lstStyle/>
+          <a:p>
+            <a:r>
+              <a:rPr lang="en-US" sz="1200" dirty="0" smtClean="0"/>
+              <a:t>View</a:t>
+            </a:r>
+            <a:endParaRPr lang="en-US" sz="1200" dirty="0"/>
+          </a:p>
+        </p:txBody>
+      </p:sp>
+      <p:sp>
+        <p:nvSpPr>
+          <p:cNvPr id="25" name="TextBox 24"/>
+          <p:cNvSpPr txBox="1"/>
+          <p:nvPr/>
+        </p:nvSpPr>
+        <p:spPr>
+          <a:xfrm>
+            <a:off x="3352684" y="2373775"/>
+            <a:ext cx="992069" cy="276999"/>
+          </a:xfrm>
+          <a:prstGeom prst="rect">
+            <a:avLst/>
+          </a:prstGeom>
+          <a:noFill/>
+        </p:spPr>
+        <p:txBody>
+          <a:bodyPr wrap="square" rtlCol="0">
+            <a:spAutoFit/>
+          </a:bodyPr>
+          <a:lstStyle/>
+          <a:p>
+            <a:r>
+              <a:rPr lang="en-US" sz="1200" dirty="0" smtClean="0"/>
+              <a:t>Add</a:t>
+            </a:r>
+            <a:endParaRPr lang="en-US" sz="1200" dirty="0"/>
+          </a:p>
+        </p:txBody>
+      </p:sp>
+      <p:sp>
+        <p:nvSpPr>
+          <p:cNvPr id="26" name="TextBox 25"/>
+          <p:cNvSpPr txBox="1"/>
+          <p:nvPr/>
+        </p:nvSpPr>
+        <p:spPr>
+          <a:xfrm>
+            <a:off x="5062383" y="2568161"/>
+            <a:ext cx="992069" cy="276999"/>
+          </a:xfrm>
+          <a:prstGeom prst="rect">
+            <a:avLst/>
+          </a:prstGeom>
+          <a:noFill/>
+        </p:spPr>
+        <p:txBody>
+          <a:bodyPr wrap="square" rtlCol="0">
+            <a:spAutoFit/>
+          </a:bodyPr>
+          <a:lstStyle/>
+          <a:p>
+            <a:r>
+              <a:rPr lang="en-US" sz="1200" dirty="0" smtClean="0"/>
+              <a:t>Update</a:t>
+            </a:r>
+            <a:endParaRPr lang="en-US" sz="1200" dirty="0"/>
+          </a:p>
+        </p:txBody>
+      </p:sp>
+      <p:sp>
+        <p:nvSpPr>
+          <p:cNvPr id="27" name="Connector 26"/>
+          <p:cNvSpPr/>
+          <p:nvPr/>
+        </p:nvSpPr>
+        <p:spPr>
+          <a:xfrm>
+            <a:off x="3399833" y="5807948"/>
+            <a:ext cx="774771" cy="636430"/>
+          </a:xfrm>
+          <a:prstGeom prst="flowChartConnector">
+            <a:avLst/>
+          </a:prstGeom>
+        </p:spPr>
+        <p:style>
+          <a:lnRef idx="1">
+            <a:schemeClr val="accent1"/>
+          </a:lnRef>
+          <a:fillRef idx="3">
+            <a:schemeClr val="accent1"/>
+          </a:fillRef>
+          <a:effectRef idx="2">
+            <a:schemeClr val="accent1"/>
+          </a:effectRef>
+          <a:fontRef idx="minor">
+            <a:schemeClr val="lt1"/>
+          </a:fontRef>
+        </p:style>
+        <p:txBody>
+          <a:bodyPr rtlCol="0" anchor="ctr"/>
+          <a:lstStyle/>
+          <a:p>
+            <a:pPr algn="ctr"/>
+            <a:r>
+              <a:rPr lang="en-US" sz="1200" dirty="0" smtClean="0"/>
+              <a:t>End</a:t>
+            </a:r>
+            <a:endParaRPr lang="en-US" sz="1200" dirty="0"/>
+          </a:p>
+        </p:txBody>
+      </p:sp>
+      <p:sp>
+        <p:nvSpPr>
+          <p:cNvPr id="59" name="Process 58"/>
+          <p:cNvSpPr/>
+          <p:nvPr/>
+        </p:nvSpPr>
+        <p:spPr>
+          <a:xfrm>
+            <a:off x="2043915" y="3699187"/>
+            <a:ext cx="1515082" cy="768315"/>
+          </a:xfrm>
+          <a:prstGeom prst="flowChartProcess">
+            <a:avLst/>
+          </a:prstGeom>
+        </p:spPr>
+        <p:style>
+          <a:lnRef idx="1">
+            <a:schemeClr val="accent1"/>
+          </a:lnRef>
+          <a:fillRef idx="3">
+            <a:schemeClr val="accent1"/>
+          </a:fillRef>
+          <a:effectRef idx="2">
+            <a:schemeClr val="accent1"/>
+          </a:effectRef>
+          <a:fontRef idx="minor">
+            <a:schemeClr val="lt1"/>
+          </a:fontRef>
+        </p:style>
+        <p:txBody>
+          <a:bodyPr rtlCol="0" anchor="ctr"/>
+          <a:lstStyle/>
+          <a:p>
+            <a:pPr algn="ctr"/>
+            <a:r>
+              <a:rPr lang="en-US" sz="1200" dirty="0" smtClean="0"/>
+              <a:t>Create new user. </a:t>
+            </a:r>
+            <a:r>
+              <a:rPr lang="en-US" sz="1200" dirty="0" smtClean="0"/>
+              <a:t>User saved in db.</a:t>
+            </a:r>
+            <a:endParaRPr lang="en-US" sz="1200" dirty="0"/>
+          </a:p>
+        </p:txBody>
+      </p:sp>
+      <p:sp>
+        <p:nvSpPr>
+          <p:cNvPr id="83" name="Decision 82"/>
+          <p:cNvSpPr/>
+          <p:nvPr/>
+        </p:nvSpPr>
+        <p:spPr>
+          <a:xfrm>
+            <a:off x="2811150" y="2789274"/>
+            <a:ext cx="1952138" cy="768316"/>
+          </a:xfrm>
+          <a:prstGeom prst="flowChartDecision">
+            <a:avLst/>
+          </a:prstGeom>
+        </p:spPr>
+        <p:style>
+          <a:lnRef idx="1">
+            <a:schemeClr val="accent1"/>
+          </a:lnRef>
+          <a:fillRef idx="3">
+            <a:schemeClr val="accent1"/>
+          </a:fillRef>
+          <a:effectRef idx="2">
+            <a:schemeClr val="accent1"/>
+          </a:effectRef>
+          <a:fontRef idx="minor">
+            <a:schemeClr val="lt1"/>
+          </a:fontRef>
+        </p:style>
+        <p:txBody>
+          <a:bodyPr rtlCol="0" anchor="ctr"/>
+          <a:lstStyle/>
+          <a:p>
+            <a:pPr algn="ctr"/>
+            <a:r>
+              <a:rPr lang="en-US" sz="1200" dirty="0" smtClean="0"/>
+              <a:t>Username in </a:t>
+            </a:r>
+            <a:r>
+              <a:rPr lang="en-US" sz="1200" dirty="0" err="1" smtClean="0"/>
+              <a:t>db</a:t>
+            </a:r>
+            <a:r>
+              <a:rPr lang="en-US" sz="1200" dirty="0" smtClean="0"/>
+              <a:t>?</a:t>
+            </a:r>
+            <a:endParaRPr lang="en-US" sz="1200" dirty="0"/>
+          </a:p>
+        </p:txBody>
+      </p:sp>
+      <p:cxnSp>
+        <p:nvCxnSpPr>
+          <p:cNvPr id="86" name="Straight Arrow Connector 85"/>
+          <p:cNvCxnSpPr>
+            <a:stCxn id="83" idx="1"/>
+            <a:endCxn id="59" idx="0"/>
+          </p:cNvCxnSpPr>
+          <p:nvPr/>
+        </p:nvCxnSpPr>
+        <p:spPr>
+          <a:xfrm flipH="1">
+            <a:off x="2801456" y="3173432"/>
+            <a:ext cx="9694" cy="525755"/>
+          </a:xfrm>
+          <a:prstGeom prst="straightConnector1">
+            <a:avLst/>
+          </a:prstGeom>
+          <a:ln>
+            <a:tailEnd type="arrow"/>
+          </a:ln>
+        </p:spPr>
+        <p:style>
+          <a:lnRef idx="2">
+            <a:schemeClr val="accent1"/>
+          </a:lnRef>
+          <a:fillRef idx="0">
+            <a:schemeClr val="accent1"/>
+          </a:fillRef>
+          <a:effectRef idx="1">
+            <a:schemeClr val="accent1"/>
+          </a:effectRef>
+          <a:fontRef idx="minor">
+            <a:schemeClr val="tx1"/>
+          </a:fontRef>
+        </p:style>
+      </p:cxnSp>
+      <p:sp>
+        <p:nvSpPr>
+          <p:cNvPr id="93" name="TextBox 92"/>
+          <p:cNvSpPr txBox="1"/>
+          <p:nvPr/>
+        </p:nvSpPr>
+        <p:spPr>
+          <a:xfrm>
+            <a:off x="2408043" y="3315475"/>
+            <a:ext cx="992069" cy="276999"/>
+          </a:xfrm>
+          <a:prstGeom prst="rect">
+            <a:avLst/>
+          </a:prstGeom>
+          <a:noFill/>
+        </p:spPr>
+        <p:txBody>
+          <a:bodyPr wrap="square" rtlCol="0">
+            <a:spAutoFit/>
+          </a:bodyPr>
+          <a:lstStyle/>
+          <a:p>
+            <a:r>
+              <a:rPr lang="en-US" sz="1200" dirty="0" smtClean="0"/>
+              <a:t>No</a:t>
+            </a:r>
+            <a:endParaRPr lang="en-US" sz="1200" dirty="0"/>
+          </a:p>
+        </p:txBody>
+      </p:sp>
+      <p:sp>
+        <p:nvSpPr>
+          <p:cNvPr id="94" name="TextBox 93"/>
+          <p:cNvSpPr txBox="1"/>
+          <p:nvPr/>
+        </p:nvSpPr>
+        <p:spPr>
+          <a:xfrm>
+            <a:off x="4628300" y="3565528"/>
+            <a:ext cx="992069" cy="276999"/>
+          </a:xfrm>
+          <a:prstGeom prst="rect">
+            <a:avLst/>
+          </a:prstGeom>
+          <a:noFill/>
+        </p:spPr>
+        <p:txBody>
+          <a:bodyPr wrap="square" rtlCol="0">
+            <a:spAutoFit/>
+          </a:bodyPr>
+          <a:lstStyle/>
+          <a:p>
+            <a:r>
+              <a:rPr lang="en-US" sz="1200" dirty="0" smtClean="0"/>
+              <a:t>Yes</a:t>
+            </a:r>
+            <a:endParaRPr lang="en-US" sz="1200" dirty="0"/>
+          </a:p>
+        </p:txBody>
+      </p:sp>
+      <p:cxnSp>
+        <p:nvCxnSpPr>
+          <p:cNvPr id="122" name="Straight Arrow Connector 121"/>
+          <p:cNvCxnSpPr>
+            <a:endCxn id="27" idx="0"/>
+          </p:cNvCxnSpPr>
+          <p:nvPr/>
+        </p:nvCxnSpPr>
+        <p:spPr>
+          <a:xfrm>
+            <a:off x="1132356" y="5807948"/>
+            <a:ext cx="2654863" cy="0"/>
+          </a:xfrm>
+          <a:prstGeom prst="straightConnector1">
+            <a:avLst/>
+          </a:prstGeom>
+          <a:ln>
+            <a:tailEnd type="arrow"/>
+          </a:ln>
+        </p:spPr>
+        <p:style>
+          <a:lnRef idx="2">
+            <a:schemeClr val="accent1"/>
+          </a:lnRef>
+          <a:fillRef idx="0">
+            <a:schemeClr val="accent1"/>
+          </a:fillRef>
+          <a:effectRef idx="1">
+            <a:schemeClr val="accent1"/>
+          </a:effectRef>
+          <a:fontRef idx="minor">
+            <a:schemeClr val="tx1"/>
+          </a:fontRef>
+        </p:style>
+      </p:cxnSp>
+      <p:cxnSp>
+        <p:nvCxnSpPr>
+          <p:cNvPr id="123" name="Straight Arrow Connector 122"/>
+          <p:cNvCxnSpPr>
+            <a:endCxn id="18" idx="2"/>
+          </p:cNvCxnSpPr>
+          <p:nvPr/>
+        </p:nvCxnSpPr>
+        <p:spPr>
+          <a:xfrm flipV="1">
+            <a:off x="1132356" y="4223954"/>
+            <a:ext cx="0" cy="1583994"/>
+          </a:xfrm>
+          <a:prstGeom prst="straightConnector1">
+            <a:avLst/>
+          </a:prstGeom>
+          <a:ln>
+            <a:tailEnd type="none"/>
+          </a:ln>
+        </p:spPr>
+        <p:style>
+          <a:lnRef idx="2">
+            <a:schemeClr val="accent1"/>
+          </a:lnRef>
+          <a:fillRef idx="0">
+            <a:schemeClr val="accent1"/>
+          </a:fillRef>
+          <a:effectRef idx="1">
+            <a:schemeClr val="accent1"/>
+          </a:effectRef>
+          <a:fontRef idx="minor">
+            <a:schemeClr val="tx1"/>
+          </a:fontRef>
+        </p:style>
+      </p:cxnSp>
+      <p:cxnSp>
+        <p:nvCxnSpPr>
+          <p:cNvPr id="135" name="Straight Arrow Connector 134"/>
+          <p:cNvCxnSpPr>
+            <a:stCxn id="19" idx="3"/>
+            <a:endCxn id="139" idx="1"/>
+          </p:cNvCxnSpPr>
+          <p:nvPr/>
+        </p:nvCxnSpPr>
+        <p:spPr>
+          <a:xfrm>
+            <a:off x="5189630" y="4851660"/>
+            <a:ext cx="591420" cy="0"/>
+          </a:xfrm>
+          <a:prstGeom prst="straightConnector1">
+            <a:avLst/>
+          </a:prstGeom>
+          <a:ln>
+            <a:tailEnd type="arrow"/>
+          </a:ln>
+        </p:spPr>
+        <p:style>
+          <a:lnRef idx="2">
+            <a:schemeClr val="accent1"/>
+          </a:lnRef>
+          <a:fillRef idx="0">
+            <a:schemeClr val="accent1"/>
+          </a:fillRef>
+          <a:effectRef idx="1">
+            <a:schemeClr val="accent1"/>
+          </a:effectRef>
+          <a:fontRef idx="minor">
+            <a:schemeClr val="tx1"/>
+          </a:fontRef>
+        </p:style>
+      </p:cxnSp>
+      <p:sp>
+        <p:nvSpPr>
+          <p:cNvPr id="139" name="Off-page Connector 138"/>
+          <p:cNvSpPr/>
+          <p:nvPr/>
+        </p:nvSpPr>
+        <p:spPr>
+          <a:xfrm>
+            <a:off x="5781050" y="4642666"/>
+            <a:ext cx="449459" cy="417987"/>
+          </a:xfrm>
+          <a:prstGeom prst="flowChartOffpageConnector">
+            <a:avLst/>
+          </a:prstGeom>
+        </p:spPr>
+        <p:style>
+          <a:lnRef idx="1">
+            <a:schemeClr val="accent1"/>
+          </a:lnRef>
+          <a:fillRef idx="3">
+            <a:schemeClr val="accent1"/>
+          </a:fillRef>
+          <a:effectRef idx="2">
+            <a:schemeClr val="accent1"/>
+          </a:effectRef>
+          <a:fontRef idx="minor">
+            <a:schemeClr val="lt1"/>
+          </a:fontRef>
+        </p:style>
+        <p:txBody>
+          <a:bodyPr rtlCol="0" anchor="ctr"/>
+          <a:lstStyle/>
+          <a:p>
+            <a:pPr algn="ctr"/>
+            <a:r>
+              <a:rPr lang="en-US" sz="1200" dirty="0" smtClean="0"/>
+              <a:t>1</a:t>
+            </a:r>
+            <a:endParaRPr lang="en-US" sz="1200" dirty="0"/>
+          </a:p>
+        </p:txBody>
+      </p:sp>
+      <p:cxnSp>
+        <p:nvCxnSpPr>
+          <p:cNvPr id="145" name="Straight Arrow Connector 144"/>
+          <p:cNvCxnSpPr>
+            <a:stCxn id="20" idx="2"/>
+            <a:endCxn id="139" idx="0"/>
+          </p:cNvCxnSpPr>
+          <p:nvPr/>
+        </p:nvCxnSpPr>
+        <p:spPr>
+          <a:xfrm>
+            <a:off x="6005780" y="4197579"/>
+            <a:ext cx="0" cy="445087"/>
+          </a:xfrm>
+          <a:prstGeom prst="straightConnector1">
+            <a:avLst/>
+          </a:prstGeom>
+          <a:ln>
+            <a:tailEnd type="arrow"/>
+          </a:ln>
+        </p:spPr>
+        <p:style>
+          <a:lnRef idx="2">
+            <a:schemeClr val="accent1"/>
+          </a:lnRef>
+          <a:fillRef idx="0">
+            <a:schemeClr val="accent1"/>
+          </a:fillRef>
+          <a:effectRef idx="1">
+            <a:schemeClr val="accent1"/>
+          </a:effectRef>
+          <a:fontRef idx="minor">
+            <a:schemeClr val="tx1"/>
+          </a:fontRef>
+        </p:style>
+      </p:cxnSp>
+      <p:sp>
+        <p:nvSpPr>
+          <p:cNvPr id="148" name="Off-page Connector 147"/>
+          <p:cNvSpPr/>
+          <p:nvPr/>
+        </p:nvSpPr>
+        <p:spPr>
+          <a:xfrm>
+            <a:off x="5781050" y="5372581"/>
+            <a:ext cx="449459" cy="417987"/>
+          </a:xfrm>
+          <a:prstGeom prst="flowChartOffpageConnector">
+            <a:avLst/>
+          </a:prstGeom>
+        </p:spPr>
+        <p:style>
+          <a:lnRef idx="1">
+            <a:schemeClr val="accent1"/>
+          </a:lnRef>
+          <a:fillRef idx="3">
+            <a:schemeClr val="accent1"/>
+          </a:fillRef>
+          <a:effectRef idx="2">
+            <a:schemeClr val="accent1"/>
+          </a:effectRef>
+          <a:fontRef idx="minor">
+            <a:schemeClr val="lt1"/>
+          </a:fontRef>
+        </p:style>
+        <p:txBody>
+          <a:bodyPr rtlCol="0" anchor="ctr"/>
+          <a:lstStyle/>
+          <a:p>
+            <a:pPr algn="ctr"/>
+            <a:r>
+              <a:rPr lang="en-US" sz="1200" dirty="0"/>
+              <a:t>2</a:t>
+            </a:r>
+          </a:p>
+        </p:txBody>
+      </p:sp>
+      <p:cxnSp>
+        <p:nvCxnSpPr>
+          <p:cNvPr id="149" name="Straight Arrow Connector 148"/>
+          <p:cNvCxnSpPr>
+            <a:stCxn id="148" idx="2"/>
+            <a:endCxn id="27" idx="0"/>
+          </p:cNvCxnSpPr>
+          <p:nvPr/>
+        </p:nvCxnSpPr>
+        <p:spPr>
+          <a:xfrm flipH="1">
+            <a:off x="3787219" y="5790568"/>
+            <a:ext cx="2218561" cy="17380"/>
+          </a:xfrm>
+          <a:prstGeom prst="straightConnector1">
+            <a:avLst/>
+          </a:prstGeom>
+          <a:ln>
+            <a:tailEnd type="arrow"/>
+          </a:ln>
+        </p:spPr>
+        <p:style>
+          <a:lnRef idx="2">
+            <a:schemeClr val="accent1"/>
+          </a:lnRef>
+          <a:fillRef idx="0">
+            <a:schemeClr val="accent1"/>
+          </a:fillRef>
+          <a:effectRef idx="1">
+            <a:schemeClr val="accent1"/>
+          </a:effectRef>
+          <a:fontRef idx="minor">
+            <a:schemeClr val="tx1"/>
+          </a:fontRef>
+        </p:style>
+      </p:cxnSp>
+      <p:cxnSp>
+        <p:nvCxnSpPr>
+          <p:cNvPr id="64" name="Straight Arrow Connector 63"/>
+          <p:cNvCxnSpPr>
+            <a:stCxn id="59" idx="3"/>
+            <a:endCxn id="19" idx="0"/>
+          </p:cNvCxnSpPr>
+          <p:nvPr/>
+        </p:nvCxnSpPr>
+        <p:spPr>
+          <a:xfrm>
+            <a:off x="3558997" y="4083345"/>
+            <a:ext cx="873092" cy="384157"/>
+          </a:xfrm>
+          <a:prstGeom prst="straightConnector1">
+            <a:avLst/>
+          </a:prstGeom>
+          <a:ln>
+            <a:tailEnd type="arrow"/>
+          </a:ln>
+        </p:spPr>
+        <p:style>
+          <a:lnRef idx="2">
+            <a:schemeClr val="accent1"/>
+          </a:lnRef>
+          <a:fillRef idx="0">
+            <a:schemeClr val="accent1"/>
+          </a:fillRef>
+          <a:effectRef idx="1">
+            <a:schemeClr val="accent1"/>
+          </a:effectRef>
+          <a:fontRef idx="minor">
+            <a:schemeClr val="tx1"/>
+          </a:fontRef>
+        </p:style>
+      </p:cxnSp>
+      <p:cxnSp>
+        <p:nvCxnSpPr>
+          <p:cNvPr id="76" name="Straight Arrow Connector 75"/>
+          <p:cNvCxnSpPr>
+            <a:stCxn id="83" idx="3"/>
+          </p:cNvCxnSpPr>
+          <p:nvPr/>
+        </p:nvCxnSpPr>
+        <p:spPr>
+          <a:xfrm flipH="1">
+            <a:off x="4432089" y="3173432"/>
+            <a:ext cx="331199" cy="1294070"/>
+          </a:xfrm>
+          <a:prstGeom prst="straightConnector1">
+            <a:avLst/>
+          </a:prstGeom>
+          <a:ln>
+            <a:tailEnd type="arrow"/>
+          </a:ln>
+        </p:spPr>
+        <p:style>
+          <a:lnRef idx="2">
+            <a:schemeClr val="accent1"/>
+          </a:lnRef>
+          <a:fillRef idx="0">
+            <a:schemeClr val="accent1"/>
+          </a:fillRef>
+          <a:effectRef idx="1">
+            <a:schemeClr val="accent1"/>
+          </a:effectRef>
+          <a:fontRef idx="minor">
+            <a:schemeClr val="tx1"/>
+          </a:fontRef>
+        </p:style>
+      </p:cxnSp>
+    </p:spTree>
+    <p:extLst>
+      <p:ext uri="{BB962C8B-B14F-4D97-AF65-F5344CB8AC3E}">
+        <p14:creationId xmlns:p14="http://schemas.microsoft.com/office/powerpoint/2010/main" val="4256496526"/>
+      </p:ext>
+    </p:extLst>
+  </p:cSld>
+  <p:clrMapOvr>
+    <a:masterClrMapping/>
+  </p:clrMapOvr>
+</p:sld>
+</file>
+
+<file path=ppt/slides/slide6.xml><?xml version="1.0" encoding="utf-8"?>
+<p:sld xmlns:a="http://schemas.openxmlformats.org/drawingml/2006/main" xmlns:r="http://schemas.openxmlformats.org/officeDocument/2006/relationships" xmlns:p="http://schemas.openxmlformats.org/presentationml/2006/main">
+  <p:cSld>
+    <p:spTree>
+      <p:nvGrpSpPr>
+        <p:cNvPr id="1" name=""/>
+        <p:cNvGrpSpPr/>
+        <p:nvPr/>
+      </p:nvGrpSpPr>
+      <p:grpSpPr>
+        <a:xfrm>
+          <a:off x="0" y="0"/>
+          <a:ext cx="0" cy="0"/>
+          <a:chOff x="0" y="0"/>
+          <a:chExt cx="0" cy="0"/>
+        </a:xfrm>
+      </p:grpSpPr>
+      <p:sp>
+        <p:nvSpPr>
           <p:cNvPr id="2" name="Vertical Title 1"/>
           <p:cNvSpPr>
             <a:spLocks noGrp="1"/>
@@ -6052,15 +6061,7 @@
             <a:pPr algn="ctr"/>
             <a:r>
               <a:rPr lang="en-US" sz="1200" dirty="0" smtClean="0"/>
-              <a:t>Add </a:t>
-            </a:r>
-            <a:r>
-              <a:rPr lang="en-US" sz="1200" dirty="0" smtClean="0"/>
-              <a:t>Linked </a:t>
-            </a:r>
-            <a:r>
-              <a:rPr lang="en-US" sz="1200" dirty="0" smtClean="0"/>
-              <a:t>Layer?</a:t>
+              <a:t>Add Linked Layer?</a:t>
             </a:r>
             <a:endParaRPr lang="en-US" sz="1200" dirty="0"/>
           </a:p>
@@ -6377,8 +6378,12 @@
           <a:p>
             <a:pPr algn="ctr"/>
             <a:r>
+              <a:rPr lang="en-US" sz="1200" dirty="0"/>
+              <a:t>D</a:t>
+            </a:r>
+            <a:r>
               <a:rPr lang="en-US" sz="1200" dirty="0" smtClean="0"/>
-              <a:t>Click “X” to delete </a:t>
+              <a:t>elete </a:t>
             </a:r>
             <a:r>
               <a:rPr lang="en-US" sz="1200" dirty="0" err="1" smtClean="0"/>
@@ -6802,7 +6807,7 @@
 </p:sld>
 </file>
 
-<file path=ppt/slides/slide6.xml><?xml version="1.0" encoding="utf-8"?>
+<file path=ppt/slides/slide7.xml><?xml version="1.0" encoding="utf-8"?>
 <p:sld xmlns:a="http://schemas.openxmlformats.org/drawingml/2006/main" xmlns:r="http://schemas.openxmlformats.org/officeDocument/2006/relationships" xmlns:p="http://schemas.openxmlformats.org/presentationml/2006/main">
   <p:cSld>
     <p:spTree>

--- a/Final Project Presentation.pptx
+++ b/Final Project Presentation.pptx
@@ -198,7 +198,7 @@
           <a:p>
             <a:fld id="{F6F5AD14-7DF3-934E-AAEC-48AEA44FC3A8}" type="datetimeFigureOut">
               <a:rPr lang="en-US" smtClean="0"/>
-              <a:t>4/18/16</a:t>
+              <a:t>4/20/16</a:t>
             </a:fld>
             <a:endParaRPr lang="en-US"/>
           </a:p>
@@ -803,7 +803,7 @@
           <a:p>
             <a:fld id="{7F796B32-4D9A-0B4B-87BF-F3DD66F9DBE3}" type="datetimeFigureOut">
               <a:rPr lang="en-US" smtClean="0"/>
-              <a:t>4/18/16</a:t>
+              <a:t>4/20/16</a:t>
             </a:fld>
             <a:endParaRPr lang="en-US"/>
           </a:p>
@@ -1016,7 +1016,7 @@
           <a:p>
             <a:fld id="{7F796B32-4D9A-0B4B-87BF-F3DD66F9DBE3}" type="datetimeFigureOut">
               <a:rPr lang="en-US" smtClean="0"/>
-              <a:t>4/18/16</a:t>
+              <a:t>4/20/16</a:t>
             </a:fld>
             <a:endParaRPr lang="en-US"/>
           </a:p>
@@ -1283,7 +1283,7 @@
           <a:p>
             <a:fld id="{7F796B32-4D9A-0B4B-87BF-F3DD66F9DBE3}" type="datetimeFigureOut">
               <a:rPr lang="en-US" smtClean="0"/>
-              <a:t>4/18/16</a:t>
+              <a:t>4/20/16</a:t>
             </a:fld>
             <a:endParaRPr lang="en-US"/>
           </a:p>
@@ -1433,7 +1433,7 @@
           <a:p>
             <a:fld id="{7F796B32-4D9A-0B4B-87BF-F3DD66F9DBE3}" type="datetimeFigureOut">
               <a:rPr lang="en-US" smtClean="0"/>
-              <a:t>4/18/16</a:t>
+              <a:t>4/20/16</a:t>
             </a:fld>
             <a:endParaRPr lang="en-US"/>
           </a:p>
@@ -1763,7 +1763,7 @@
           <a:p>
             <a:fld id="{7F796B32-4D9A-0B4B-87BF-F3DD66F9DBE3}" type="datetimeFigureOut">
               <a:rPr lang="en-US" smtClean="0"/>
-              <a:t>4/18/16</a:t>
+              <a:t>4/20/16</a:t>
             </a:fld>
             <a:endParaRPr lang="en-US"/>
           </a:p>
@@ -2071,7 +2071,7 @@
           <a:p>
             <a:fld id="{7F796B32-4D9A-0B4B-87BF-F3DD66F9DBE3}" type="datetimeFigureOut">
               <a:rPr lang="en-US" smtClean="0"/>
-              <a:t>4/18/16</a:t>
+              <a:t>4/20/16</a:t>
             </a:fld>
             <a:endParaRPr lang="en-US"/>
           </a:p>
@@ -2492,7 +2492,7 @@
           <a:p>
             <a:fld id="{7F796B32-4D9A-0B4B-87BF-F3DD66F9DBE3}" type="datetimeFigureOut">
               <a:rPr lang="en-US" smtClean="0"/>
-              <a:t>4/18/16</a:t>
+              <a:t>4/20/16</a:t>
             </a:fld>
             <a:endParaRPr lang="en-US"/>
           </a:p>
@@ -2605,7 +2605,7 @@
           <a:p>
             <a:fld id="{7F796B32-4D9A-0B4B-87BF-F3DD66F9DBE3}" type="datetimeFigureOut">
               <a:rPr lang="en-US" smtClean="0"/>
-              <a:t>4/18/16</a:t>
+              <a:t>4/20/16</a:t>
             </a:fld>
             <a:endParaRPr lang="en-US"/>
           </a:p>
@@ -2764,7 +2764,7 @@
           <a:p>
             <a:fld id="{7F796B32-4D9A-0B4B-87BF-F3DD66F9DBE3}" type="datetimeFigureOut">
               <a:rPr lang="en-US" smtClean="0"/>
-              <a:t>4/18/16</a:t>
+              <a:t>4/20/16</a:t>
             </a:fld>
             <a:endParaRPr lang="en-US"/>
           </a:p>
@@ -3148,7 +3148,7 @@
           <a:p>
             <a:fld id="{7F796B32-4D9A-0B4B-87BF-F3DD66F9DBE3}" type="datetimeFigureOut">
               <a:rPr lang="en-US" smtClean="0"/>
-              <a:t>4/18/16</a:t>
+              <a:t>4/20/16</a:t>
             </a:fld>
             <a:endParaRPr lang="en-US"/>
           </a:p>
@@ -3510,7 +3510,7 @@
           <a:p>
             <a:fld id="{7F796B32-4D9A-0B4B-87BF-F3DD66F9DBE3}" type="datetimeFigureOut">
               <a:rPr lang="en-US" smtClean="0"/>
-              <a:t>4/18/16</a:t>
+              <a:t>4/20/16</a:t>
             </a:fld>
             <a:endParaRPr lang="en-US"/>
           </a:p>
@@ -3844,7 +3844,7 @@
           <a:p>
             <a:fld id="{7F796B32-4D9A-0B4B-87BF-F3DD66F9DBE3}" type="datetimeFigureOut">
               <a:rPr lang="en-US" smtClean="0"/>
-              <a:t>4/18/16</a:t>
+              <a:t>4/20/16</a:t>
             </a:fld>
             <a:endParaRPr lang="en-US"/>
           </a:p>
@@ -4398,29 +4398,8 @@
           <a:p>
             <a:r>
               <a:rPr lang="en-US" dirty="0" smtClean="0"/>
-              <a:t>Users </a:t>
-            </a:r>
-            <a:r>
-              <a:rPr lang="en-US" dirty="0" smtClean="0"/>
-              <a:t>can upload layers to </a:t>
-            </a:r>
-            <a:r>
-              <a:rPr lang="en-US" dirty="0" smtClean="0"/>
-              <a:t>the website, and </a:t>
-            </a:r>
-            <a:r>
-              <a:rPr lang="en-US" dirty="0" smtClean="0"/>
-              <a:t>can see </a:t>
-            </a:r>
-            <a:r>
-              <a:rPr lang="en-US" dirty="0" smtClean="0"/>
-              <a:t>and download any other </a:t>
-            </a:r>
-            <a:r>
-              <a:rPr lang="en-US" dirty="0" smtClean="0"/>
-              <a:t>layer</a:t>
-            </a:r>
-            <a:endParaRPr lang="en-US" dirty="0" smtClean="0"/>
+              <a:t>Users can upload layers to the website, and can see and download any other layer</a:t>
+            </a:r>
           </a:p>
           <a:p>
             <a:pPr lvl="1"/>
@@ -4433,13 +4412,8 @@
             <a:pPr lvl="2"/>
             <a:r>
               <a:rPr lang="en-US" dirty="0" smtClean="0"/>
-              <a:t>When repost, can link it to the layers from which it came to create a “family history” of the </a:t>
-            </a:r>
-            <a:r>
-              <a:rPr lang="en-US" dirty="0" smtClean="0"/>
-              <a:t>layer</a:t>
-            </a:r>
-            <a:endParaRPr lang="en-US" dirty="0" smtClean="0"/>
+              <a:t>When repost, can link it to the layers from which it came to create a “family history” of the layer</a:t>
+            </a:r>
           </a:p>
         </p:txBody>
       </p:sp>
@@ -4654,7 +4628,7 @@
       </p:sp>
       <p:pic>
         <p:nvPicPr>
-          <p:cNvPr id="8" name="Picture 7" descr="EER Diagram.png"/>
+          <p:cNvPr id="2" name="Picture 1" descr="EER Diagram.png"/>
           <p:cNvPicPr>
             <a:picLocks noChangeAspect="1"/>
           </p:cNvPicPr>
@@ -4674,8 +4648,8 @@
         </p:blipFill>
         <p:spPr>
           <a:xfrm>
-            <a:off x="347230" y="139406"/>
-            <a:ext cx="6337300" cy="6604000"/>
+            <a:off x="139392" y="480352"/>
+            <a:ext cx="6743700" cy="5854700"/>
           </a:xfrm>
           <a:prstGeom prst="rect">
             <a:avLst/>
@@ -4898,15 +4872,7 @@
             <a:pPr algn="ctr"/>
             <a:r>
               <a:rPr lang="en-US" sz="1200" dirty="0" smtClean="0"/>
-              <a:t>Search by </a:t>
-            </a:r>
-            <a:r>
-              <a:rPr lang="en-US" sz="1200" dirty="0" smtClean="0"/>
-              <a:t>layer fields to </a:t>
-            </a:r>
-            <a:r>
-              <a:rPr lang="en-US" sz="1200" dirty="0" smtClean="0"/>
-              <a:t>views layers; leave search fields empty to view all. </a:t>
+              <a:t>Search by layer fields to views layers; leave search fields empty to view all. </a:t>
             </a:r>
             <a:endParaRPr lang="en-US" sz="1200" dirty="0"/>
           </a:p>
@@ -4990,15 +4956,7 @@
             <a:pPr algn="ctr"/>
             <a:r>
               <a:rPr lang="en-US" sz="1200" dirty="0" smtClean="0"/>
-              <a:t>Updates layer; chooses layer, modifies </a:t>
-            </a:r>
-            <a:r>
-              <a:rPr lang="en-US" sz="1200" dirty="0" smtClean="0"/>
-              <a:t>details, </a:t>
-            </a:r>
-            <a:r>
-              <a:rPr lang="en-US" sz="1200" dirty="0" smtClean="0"/>
-              <a:t>and clicks update.</a:t>
+              <a:t>Updates layer; chooses layer, modifies details, and clicks update.</a:t>
             </a:r>
             <a:endParaRPr lang="en-US" sz="1200" dirty="0"/>
           </a:p>
@@ -5280,11 +5238,7 @@
             <a:pPr algn="ctr"/>
             <a:r>
               <a:rPr lang="en-US" sz="1200" dirty="0" smtClean="0"/>
-              <a:t>Create new user. </a:t>
-            </a:r>
-            <a:r>
-              <a:rPr lang="en-US" sz="1200" dirty="0" smtClean="0"/>
-              <a:t>User saved in db.</a:t>
+              <a:t>Create new user. User saved in db.</a:t>
             </a:r>
             <a:endParaRPr lang="en-US" sz="1200" dirty="0"/>
           </a:p>
